--- a/presentations/05_Model_Tuning_Hiperparametreleri_Ayarlama.pptx
+++ b/presentations/05_Model_Tuning_Hiperparametreleri_Ayarlama.pptx
@@ -5,7 +5,7 @@
     <p:sldMasterId id="2147483648" r:id="rId1"/>
   </p:sldMasterIdLst>
   <p:notesMasterIdLst>
-    <p:notesMasterId r:id="rId15"/>
+    <p:notesMasterId r:id="rId16"/>
   </p:notesMasterIdLst>
   <p:sldIdLst>
     <p:sldId id="257" r:id="rId2"/>
@@ -18,9 +18,10 @@
     <p:sldId id="334" r:id="rId9"/>
     <p:sldId id="327" r:id="rId10"/>
     <p:sldId id="330" r:id="rId11"/>
-    <p:sldId id="329" r:id="rId12"/>
-    <p:sldId id="331" r:id="rId13"/>
-    <p:sldId id="332" r:id="rId14"/>
+    <p:sldId id="331" r:id="rId12"/>
+    <p:sldId id="329" r:id="rId13"/>
+    <p:sldId id="335" r:id="rId14"/>
+    <p:sldId id="332" r:id="rId15"/>
   </p:sldIdLst>
   <p:sldSz cx="12192000" cy="6858000"/>
   <p:notesSz cx="6858000" cy="9144000"/>
@@ -142,266 +143,556 @@
 <pc:chgInfo xmlns:a="http://schemas.openxmlformats.org/drawingml/2006/main" xmlns:r="http://schemas.openxmlformats.org/officeDocument/2006/relationships" xmlns:ac="http://schemas.microsoft.com/office/drawing/2013/main/command" xmlns:pc="http://schemas.microsoft.com/office/powerpoint/2013/main/command">
   <pc:docChgLst>
     <pc:chgData name="Erkan ŞİRİN" userId="7f10ce1d6aaf8c5d" providerId="LiveId" clId="{14CEAA5C-FD5F-4017-9AE4-FB51F8CFA9BD}"/>
-    <pc:docChg chg="undo custSel addSld modSld sldOrd">
-      <pc:chgData name="Erkan ŞİRİN" userId="7f10ce1d6aaf8c5d" providerId="LiveId" clId="{14CEAA5C-FD5F-4017-9AE4-FB51F8CFA9BD}" dt="2019-04-05T07:47:10.602" v="571" actId="20577"/>
+  </pc:docChgLst>
+  <pc:docChgLst>
+    <pc:chgData name="Erkan ŞİRİN" userId="7f10ce1d6aaf8c5d" providerId="LiveId" clId="{171A55E5-C67D-45EF-9737-4231944B0F62}"/>
+    <pc:docChg chg="custSel addSld modSld sldOrd">
+      <pc:chgData name="Erkan ŞİRİN" userId="7f10ce1d6aaf8c5d" providerId="LiveId" clId="{171A55E5-C67D-45EF-9737-4231944B0F62}" dt="2019-07-15T11:17:13.990" v="635"/>
       <pc:docMkLst>
         <pc:docMk/>
       </pc:docMkLst>
-      <pc:sldChg chg="delSp modSp">
-        <pc:chgData name="Erkan ŞİRİN" userId="7f10ce1d6aaf8c5d" providerId="LiveId" clId="{14CEAA5C-FD5F-4017-9AE4-FB51F8CFA9BD}" dt="2019-04-05T07:18:30.036" v="248" actId="1076"/>
-        <pc:sldMkLst>
-          <pc:docMk/>
-          <pc:sldMk cId="1416118015" sldId="257"/>
-        </pc:sldMkLst>
-        <pc:spChg chg="mod">
-          <ac:chgData name="Erkan ŞİRİN" userId="7f10ce1d6aaf8c5d" providerId="LiveId" clId="{14CEAA5C-FD5F-4017-9AE4-FB51F8CFA9BD}" dt="2019-04-05T07:18:19.282" v="246" actId="1076"/>
-          <ac:spMkLst>
-            <pc:docMk/>
-            <pc:sldMk cId="1416118015" sldId="257"/>
-            <ac:spMk id="16" creationId="{00000000-0000-0000-0000-000000000000}"/>
-          </ac:spMkLst>
-        </pc:spChg>
-        <pc:grpChg chg="mod">
-          <ac:chgData name="Erkan ŞİRİN" userId="7f10ce1d6aaf8c5d" providerId="LiveId" clId="{14CEAA5C-FD5F-4017-9AE4-FB51F8CFA9BD}" dt="2019-04-05T07:18:26.592" v="247" actId="1076"/>
-          <ac:grpSpMkLst>
-            <pc:docMk/>
-            <pc:sldMk cId="1416118015" sldId="257"/>
-            <ac:grpSpMk id="14" creationId="{EB793E17-046B-4FEB-811D-4D7050415127}"/>
-          </ac:grpSpMkLst>
-        </pc:grpChg>
-        <pc:grpChg chg="del">
-          <ac:chgData name="Erkan ŞİRİN" userId="7f10ce1d6aaf8c5d" providerId="LiveId" clId="{14CEAA5C-FD5F-4017-9AE4-FB51F8CFA9BD}" dt="2019-03-20T12:05:56.594" v="1" actId="478"/>
-          <ac:grpSpMkLst>
-            <pc:docMk/>
-            <pc:sldMk cId="1416118015" sldId="257"/>
-            <ac:grpSpMk id="15" creationId="{00000000-0000-0000-0000-000000000000}"/>
-          </ac:grpSpMkLst>
-        </pc:grpChg>
-        <pc:grpChg chg="mod">
-          <ac:chgData name="Erkan ŞİRİN" userId="7f10ce1d6aaf8c5d" providerId="LiveId" clId="{14CEAA5C-FD5F-4017-9AE4-FB51F8CFA9BD}" dt="2019-04-05T07:18:30.036" v="248" actId="1076"/>
-          <ac:grpSpMkLst>
-            <pc:docMk/>
-            <pc:sldMk cId="1416118015" sldId="257"/>
-            <ac:grpSpMk id="18" creationId="{A5723E2E-6F8E-41F1-A7BC-F5B9BF3CEF18}"/>
-          </ac:grpSpMkLst>
-        </pc:grpChg>
-        <pc:picChg chg="del">
-          <ac:chgData name="Erkan ŞİRİN" userId="7f10ce1d6aaf8c5d" providerId="LiveId" clId="{14CEAA5C-FD5F-4017-9AE4-FB51F8CFA9BD}" dt="2019-03-20T12:05:54.124" v="0" actId="478"/>
-          <ac:picMkLst>
-            <pc:docMk/>
-            <pc:sldMk cId="1416118015" sldId="257"/>
-            <ac:picMk id="2" creationId="{00000000-0000-0000-0000-000000000000}"/>
-          </ac:picMkLst>
-        </pc:picChg>
-      </pc:sldChg>
-      <pc:sldChg chg="delSp modSp">
-        <pc:chgData name="Erkan ŞİRİN" userId="7f10ce1d6aaf8c5d" providerId="LiveId" clId="{14CEAA5C-FD5F-4017-9AE4-FB51F8CFA9BD}" dt="2019-04-05T07:20:16.098" v="273" actId="20577"/>
-        <pc:sldMkLst>
-          <pc:docMk/>
-          <pc:sldMk cId="3478729586" sldId="271"/>
-        </pc:sldMkLst>
-        <pc:spChg chg="mod">
-          <ac:chgData name="Erkan ŞİRİN" userId="7f10ce1d6aaf8c5d" providerId="LiveId" clId="{14CEAA5C-FD5F-4017-9AE4-FB51F8CFA9BD}" dt="2019-04-05T07:20:16.098" v="273" actId="20577"/>
-          <ac:spMkLst>
-            <pc:docMk/>
-            <pc:sldMk cId="3478729586" sldId="271"/>
-            <ac:spMk id="9" creationId="{36D17963-ECE8-4D11-B175-FD874AE01E50}"/>
-          </ac:spMkLst>
-        </pc:spChg>
-        <pc:grpChg chg="del">
-          <ac:chgData name="Erkan ŞİRİN" userId="7f10ce1d6aaf8c5d" providerId="LiveId" clId="{14CEAA5C-FD5F-4017-9AE4-FB51F8CFA9BD}" dt="2019-03-20T12:06:04.012" v="3" actId="478"/>
-          <ac:grpSpMkLst>
-            <pc:docMk/>
-            <pc:sldMk cId="3478729586" sldId="271"/>
-            <ac:grpSpMk id="15" creationId="{00000000-0000-0000-0000-000000000000}"/>
-          </ac:grpSpMkLst>
-        </pc:grpChg>
-      </pc:sldChg>
-      <pc:sldChg chg="delSp modSp">
-        <pc:chgData name="Erkan ŞİRİN" userId="7f10ce1d6aaf8c5d" providerId="LiveId" clId="{14CEAA5C-FD5F-4017-9AE4-FB51F8CFA9BD}" dt="2019-04-05T07:21:19.132" v="304" actId="20577"/>
-        <pc:sldMkLst>
-          <pc:docMk/>
-          <pc:sldMk cId="2002452192" sldId="324"/>
-        </pc:sldMkLst>
-        <pc:spChg chg="mod">
-          <ac:chgData name="Erkan ŞİRİN" userId="7f10ce1d6aaf8c5d" providerId="LiveId" clId="{14CEAA5C-FD5F-4017-9AE4-FB51F8CFA9BD}" dt="2019-04-05T07:21:19.132" v="304" actId="20577"/>
-          <ac:spMkLst>
-            <pc:docMk/>
-            <pc:sldMk cId="2002452192" sldId="324"/>
-            <ac:spMk id="9" creationId="{36D17963-ECE8-4D11-B175-FD874AE01E50}"/>
-          </ac:spMkLst>
-        </pc:spChg>
-        <pc:grpChg chg="del">
-          <ac:chgData name="Erkan ŞİRİN" userId="7f10ce1d6aaf8c5d" providerId="LiveId" clId="{14CEAA5C-FD5F-4017-9AE4-FB51F8CFA9BD}" dt="2019-03-20T12:06:06.272" v="4" actId="478"/>
-          <ac:grpSpMkLst>
-            <pc:docMk/>
-            <pc:sldMk cId="2002452192" sldId="324"/>
-            <ac:grpSpMk id="15" creationId="{00000000-0000-0000-0000-000000000000}"/>
-          </ac:grpSpMkLst>
-        </pc:grpChg>
-      </pc:sldChg>
-      <pc:sldChg chg="delSp modSp">
-        <pc:chgData name="Erkan ŞİRİN" userId="7f10ce1d6aaf8c5d" providerId="LiveId" clId="{14CEAA5C-FD5F-4017-9AE4-FB51F8CFA9BD}" dt="2019-04-05T07:18:55.093" v="250" actId="113"/>
-        <pc:sldMkLst>
-          <pc:docMk/>
-          <pc:sldMk cId="876466505" sldId="325"/>
-        </pc:sldMkLst>
-        <pc:spChg chg="mod">
-          <ac:chgData name="Erkan ŞİRİN" userId="7f10ce1d6aaf8c5d" providerId="LiveId" clId="{14CEAA5C-FD5F-4017-9AE4-FB51F8CFA9BD}" dt="2019-04-05T07:18:55.093" v="250" actId="113"/>
-          <ac:spMkLst>
-            <pc:docMk/>
-            <pc:sldMk cId="876466505" sldId="325"/>
-            <ac:spMk id="9" creationId="{36D17963-ECE8-4D11-B175-FD874AE01E50}"/>
-          </ac:spMkLst>
-        </pc:spChg>
-        <pc:grpChg chg="del">
-          <ac:chgData name="Erkan ŞİRİN" userId="7f10ce1d6aaf8c5d" providerId="LiveId" clId="{14CEAA5C-FD5F-4017-9AE4-FB51F8CFA9BD}" dt="2019-03-20T12:06:00.181" v="2" actId="478"/>
-          <ac:grpSpMkLst>
-            <pc:docMk/>
-            <pc:sldMk cId="876466505" sldId="325"/>
-            <ac:grpSpMk id="15" creationId="{00000000-0000-0000-0000-000000000000}"/>
-          </ac:grpSpMkLst>
-        </pc:grpChg>
-      </pc:sldChg>
-      <pc:sldChg chg="delSp">
-        <pc:chgData name="Erkan ŞİRİN" userId="7f10ce1d6aaf8c5d" providerId="LiveId" clId="{14CEAA5C-FD5F-4017-9AE4-FB51F8CFA9BD}" dt="2019-03-20T12:06:08.563" v="5" actId="478"/>
-        <pc:sldMkLst>
-          <pc:docMk/>
-          <pc:sldMk cId="1636125828" sldId="326"/>
-        </pc:sldMkLst>
-        <pc:grpChg chg="del">
-          <ac:chgData name="Erkan ŞİRİN" userId="7f10ce1d6aaf8c5d" providerId="LiveId" clId="{14CEAA5C-FD5F-4017-9AE4-FB51F8CFA9BD}" dt="2019-03-20T12:06:08.563" v="5" actId="478"/>
-          <ac:grpSpMkLst>
-            <pc:docMk/>
-            <pc:sldMk cId="1636125828" sldId="326"/>
-            <ac:grpSpMk id="15" creationId="{00000000-0000-0000-0000-000000000000}"/>
-          </ac:grpSpMkLst>
-        </pc:grpChg>
-      </pc:sldChg>
-      <pc:sldChg chg="delSp modSp ord">
-        <pc:chgData name="Erkan ŞİRİN" userId="7f10ce1d6aaf8c5d" providerId="LiveId" clId="{14CEAA5C-FD5F-4017-9AE4-FB51F8CFA9BD}" dt="2019-04-05T07:40:56.148" v="522"/>
-        <pc:sldMkLst>
-          <pc:docMk/>
-          <pc:sldMk cId="1895128562" sldId="327"/>
-        </pc:sldMkLst>
-        <pc:spChg chg="mod">
-          <ac:chgData name="Erkan ŞİRİN" userId="7f10ce1d6aaf8c5d" providerId="LiveId" clId="{14CEAA5C-FD5F-4017-9AE4-FB51F8CFA9BD}" dt="2019-04-05T04:32:51.353" v="179" actId="1076"/>
-          <ac:spMkLst>
-            <pc:docMk/>
-            <pc:sldMk cId="1895128562" sldId="327"/>
-            <ac:spMk id="9" creationId="{36D17963-ECE8-4D11-B175-FD874AE01E50}"/>
-          </ac:spMkLst>
-        </pc:spChg>
-        <pc:spChg chg="mod">
-          <ac:chgData name="Erkan ŞİRİN" userId="7f10ce1d6aaf8c5d" providerId="LiveId" clId="{14CEAA5C-FD5F-4017-9AE4-FB51F8CFA9BD}" dt="2019-04-05T07:40:46.578" v="520" actId="14100"/>
-          <ac:spMkLst>
-            <pc:docMk/>
-            <pc:sldMk cId="1895128562" sldId="327"/>
-            <ac:spMk id="16" creationId="{00000000-0000-0000-0000-000000000000}"/>
-          </ac:spMkLst>
-        </pc:spChg>
-        <pc:grpChg chg="del">
-          <ac:chgData name="Erkan ŞİRİN" userId="7f10ce1d6aaf8c5d" providerId="LiveId" clId="{14CEAA5C-FD5F-4017-9AE4-FB51F8CFA9BD}" dt="2019-03-20T12:06:13.540" v="7" actId="478"/>
-          <ac:grpSpMkLst>
-            <pc:docMk/>
-            <pc:sldMk cId="1895128562" sldId="327"/>
-            <ac:grpSpMk id="15" creationId="{00000000-0000-0000-0000-000000000000}"/>
-          </ac:grpSpMkLst>
-        </pc:grpChg>
-      </pc:sldChg>
-      <pc:sldChg chg="addSp delSp modSp">
-        <pc:chgData name="Erkan ŞİRİN" userId="7f10ce1d6aaf8c5d" providerId="LiveId" clId="{14CEAA5C-FD5F-4017-9AE4-FB51F8CFA9BD}" dt="2019-04-05T07:40:02.150" v="497" actId="1076"/>
-        <pc:sldMkLst>
-          <pc:docMk/>
-          <pc:sldMk cId="4292238010" sldId="328"/>
-        </pc:sldMkLst>
-        <pc:spChg chg="add del">
-          <ac:chgData name="Erkan ŞİRİN" userId="7f10ce1d6aaf8c5d" providerId="LiveId" clId="{14CEAA5C-FD5F-4017-9AE4-FB51F8CFA9BD}" dt="2019-04-05T04:20:36.473" v="71"/>
-          <ac:spMkLst>
-            <pc:docMk/>
-            <pc:sldMk cId="4292238010" sldId="328"/>
-            <ac:spMk id="2" creationId="{E503236E-8079-451D-A75E-511608A90210}"/>
-          </ac:spMkLst>
-        </pc:spChg>
-        <pc:spChg chg="mod">
-          <ac:chgData name="Erkan ŞİRİN" userId="7f10ce1d6aaf8c5d" providerId="LiveId" clId="{14CEAA5C-FD5F-4017-9AE4-FB51F8CFA9BD}" dt="2019-04-05T07:40:02.150" v="497" actId="1076"/>
-          <ac:spMkLst>
-            <pc:docMk/>
-            <pc:sldMk cId="4292238010" sldId="328"/>
-            <ac:spMk id="9" creationId="{36D17963-ECE8-4D11-B175-FD874AE01E50}"/>
-          </ac:spMkLst>
-        </pc:spChg>
-        <pc:spChg chg="mod">
-          <ac:chgData name="Erkan ŞİRİN" userId="7f10ce1d6aaf8c5d" providerId="LiveId" clId="{14CEAA5C-FD5F-4017-9AE4-FB51F8CFA9BD}" dt="2019-04-05T07:40:02.150" v="497" actId="1076"/>
-          <ac:spMkLst>
-            <pc:docMk/>
-            <pc:sldMk cId="4292238010" sldId="328"/>
-            <ac:spMk id="13" creationId="{A90D9513-B6B1-4E36-8CCF-F87513269638}"/>
-          </ac:spMkLst>
-        </pc:spChg>
-        <pc:spChg chg="mod">
-          <ac:chgData name="Erkan ŞİRİN" userId="7f10ce1d6aaf8c5d" providerId="LiveId" clId="{14CEAA5C-FD5F-4017-9AE4-FB51F8CFA9BD}" dt="2019-04-05T07:40:02.150" v="497" actId="1076"/>
-          <ac:spMkLst>
-            <pc:docMk/>
-            <pc:sldMk cId="4292238010" sldId="328"/>
-            <ac:spMk id="14" creationId="{2A4D2792-374E-4FC6-BD87-54834B871176}"/>
-          </ac:spMkLst>
-        </pc:spChg>
-        <pc:spChg chg="mod">
-          <ac:chgData name="Erkan ŞİRİN" userId="7f10ce1d6aaf8c5d" providerId="LiveId" clId="{14CEAA5C-FD5F-4017-9AE4-FB51F8CFA9BD}" dt="2019-04-05T07:39:52.875" v="494" actId="1076"/>
-          <ac:spMkLst>
-            <pc:docMk/>
-            <pc:sldMk cId="4292238010" sldId="328"/>
-            <ac:spMk id="16" creationId="{00000000-0000-0000-0000-000000000000}"/>
-          </ac:spMkLst>
-        </pc:spChg>
-        <pc:grpChg chg="del">
-          <ac:chgData name="Erkan ŞİRİN" userId="7f10ce1d6aaf8c5d" providerId="LiveId" clId="{14CEAA5C-FD5F-4017-9AE4-FB51F8CFA9BD}" dt="2019-03-20T12:06:11.063" v="6" actId="478"/>
-          <ac:grpSpMkLst>
-            <pc:docMk/>
-            <pc:sldMk cId="4292238010" sldId="328"/>
-            <ac:grpSpMk id="15" creationId="{00000000-0000-0000-0000-000000000000}"/>
-          </ac:grpSpMkLst>
-        </pc:grpChg>
-      </pc:sldChg>
-      <pc:sldChg chg="delSp">
-        <pc:chgData name="Erkan ŞİRİN" userId="7f10ce1d6aaf8c5d" providerId="LiveId" clId="{14CEAA5C-FD5F-4017-9AE4-FB51F8CFA9BD}" dt="2019-03-20T12:06:19.908" v="9" actId="478"/>
+      <pc:sldChg chg="addSp modSp">
+        <pc:chgData name="Erkan ŞİRİN" userId="7f10ce1d6aaf8c5d" providerId="LiveId" clId="{171A55E5-C67D-45EF-9737-4231944B0F62}" dt="2019-07-15T10:58:36.132" v="162" actId="20577"/>
         <pc:sldMkLst>
           <pc:docMk/>
           <pc:sldMk cId="1960496334" sldId="329"/>
         </pc:sldMkLst>
-        <pc:grpChg chg="del">
-          <ac:chgData name="Erkan ŞİRİN" userId="7f10ce1d6aaf8c5d" providerId="LiveId" clId="{14CEAA5C-FD5F-4017-9AE4-FB51F8CFA9BD}" dt="2019-03-20T12:06:19.908" v="9" actId="478"/>
-          <ac:grpSpMkLst>
+        <pc:spChg chg="add mod">
+          <ac:chgData name="Erkan ŞİRİN" userId="7f10ce1d6aaf8c5d" providerId="LiveId" clId="{171A55E5-C67D-45EF-9737-4231944B0F62}" dt="2019-07-15T10:58:36.132" v="162" actId="20577"/>
+          <ac:spMkLst>
             <pc:docMk/>
             <pc:sldMk cId="1960496334" sldId="329"/>
-            <ac:grpSpMk id="15" creationId="{00000000-0000-0000-0000-000000000000}"/>
-          </ac:grpSpMkLst>
-        </pc:grpChg>
+            <ac:spMk id="11" creationId="{E2DC6004-1A8C-4FEE-BEDA-E510E085F22B}"/>
+          </ac:spMkLst>
+        </pc:spChg>
+        <pc:spChg chg="add mod">
+          <ac:chgData name="Erkan ŞİRİN" userId="7f10ce1d6aaf8c5d" providerId="LiveId" clId="{171A55E5-C67D-45EF-9737-4231944B0F62}" dt="2019-07-15T10:57:58.023" v="145" actId="13822"/>
+          <ac:spMkLst>
+            <pc:docMk/>
+            <pc:sldMk cId="1960496334" sldId="329"/>
+            <ac:spMk id="12" creationId="{0AD03603-569D-4056-9776-62A357EAFE28}"/>
+          </ac:spMkLst>
+        </pc:spChg>
+        <pc:spChg chg="add mod">
+          <ac:chgData name="Erkan ŞİRİN" userId="7f10ce1d6aaf8c5d" providerId="LiveId" clId="{171A55E5-C67D-45EF-9737-4231944B0F62}" dt="2019-07-15T10:57:19.673" v="141" actId="1076"/>
+          <ac:spMkLst>
+            <pc:docMk/>
+            <pc:sldMk cId="1960496334" sldId="329"/>
+            <ac:spMk id="13" creationId="{F299BE9D-C4AF-45B1-B865-BA98ACAD118A}"/>
+          </ac:spMkLst>
+        </pc:spChg>
+        <pc:spChg chg="mod">
+          <ac:chgData name="Erkan ŞİRİN" userId="7f10ce1d6aaf8c5d" providerId="LiveId" clId="{171A55E5-C67D-45EF-9737-4231944B0F62}" dt="2019-07-15T10:58:24.802" v="158" actId="20577"/>
+          <ac:spMkLst>
+            <pc:docMk/>
+            <pc:sldMk cId="1960496334" sldId="329"/>
+            <ac:spMk id="29" creationId="{188F3F90-7434-420E-9B08-EB87BA0FF775}"/>
+          </ac:spMkLst>
+        </pc:spChg>
+        <pc:spChg chg="mod">
+          <ac:chgData name="Erkan ŞİRİN" userId="7f10ce1d6aaf8c5d" providerId="LiveId" clId="{171A55E5-C67D-45EF-9737-4231944B0F62}" dt="2019-07-15T10:54:58.981" v="100" actId="1038"/>
+          <ac:spMkLst>
+            <pc:docMk/>
+            <pc:sldMk cId="1960496334" sldId="329"/>
+            <ac:spMk id="34" creationId="{A1E74FEE-4D2E-4521-ABC9-0ECE30EE7E24}"/>
+          </ac:spMkLst>
+        </pc:spChg>
+        <pc:spChg chg="mod">
+          <ac:chgData name="Erkan ŞİRİN" userId="7f10ce1d6aaf8c5d" providerId="LiveId" clId="{171A55E5-C67D-45EF-9737-4231944B0F62}" dt="2019-07-15T10:54:51.964" v="84" actId="1038"/>
+          <ac:spMkLst>
+            <pc:docMk/>
+            <pc:sldMk cId="1960496334" sldId="329"/>
+            <ac:spMk id="35" creationId="{EE6B97FF-6793-40C2-8D60-342CE84B0717}"/>
+          </ac:spMkLst>
+        </pc:spChg>
+        <pc:spChg chg="mod">
+          <ac:chgData name="Erkan ŞİRİN" userId="7f10ce1d6aaf8c5d" providerId="LiveId" clId="{171A55E5-C67D-45EF-9737-4231944B0F62}" dt="2019-07-15T10:54:58.981" v="100" actId="1038"/>
+          <ac:spMkLst>
+            <pc:docMk/>
+            <pc:sldMk cId="1960496334" sldId="329"/>
+            <ac:spMk id="36" creationId="{AD86E946-5C9C-48AC-9AA3-CE43B12CA287}"/>
+          </ac:spMkLst>
+        </pc:spChg>
+        <pc:spChg chg="mod">
+          <ac:chgData name="Erkan ŞİRİN" userId="7f10ce1d6aaf8c5d" providerId="LiveId" clId="{171A55E5-C67D-45EF-9737-4231944B0F62}" dt="2019-07-15T10:54:51.964" v="84" actId="1038"/>
+          <ac:spMkLst>
+            <pc:docMk/>
+            <pc:sldMk cId="1960496334" sldId="329"/>
+            <ac:spMk id="37" creationId="{62A2C34D-29D1-4095-8FE5-951BF65604BA}"/>
+          </ac:spMkLst>
+        </pc:spChg>
+        <pc:spChg chg="mod">
+          <ac:chgData name="Erkan ŞİRİN" userId="7f10ce1d6aaf8c5d" providerId="LiveId" clId="{171A55E5-C67D-45EF-9737-4231944B0F62}" dt="2019-07-15T10:58:16.084" v="151" actId="20577"/>
+          <ac:spMkLst>
+            <pc:docMk/>
+            <pc:sldMk cId="1960496334" sldId="329"/>
+            <ac:spMk id="38" creationId="{1B77F575-0C71-4778-8755-2D3EA46EA61B}"/>
+          </ac:spMkLst>
+        </pc:spChg>
+        <pc:spChg chg="mod">
+          <ac:chgData name="Erkan ŞİRİN" userId="7f10ce1d6aaf8c5d" providerId="LiveId" clId="{171A55E5-C67D-45EF-9737-4231944B0F62}" dt="2019-07-15T10:54:31.407" v="46" actId="1076"/>
+          <ac:spMkLst>
+            <pc:docMk/>
+            <pc:sldMk cId="1960496334" sldId="329"/>
+            <ac:spMk id="39" creationId="{66F3EF98-FF54-43F9-AC97-9EE6BED1C1E9}"/>
+          </ac:spMkLst>
+        </pc:spChg>
+        <pc:cxnChg chg="add mod">
+          <ac:chgData name="Erkan ŞİRİN" userId="7f10ce1d6aaf8c5d" providerId="LiveId" clId="{171A55E5-C67D-45EF-9737-4231944B0F62}" dt="2019-07-15T10:57:19.673" v="141" actId="1076"/>
+          <ac:cxnSpMkLst>
+            <pc:docMk/>
+            <pc:sldMk cId="1960496334" sldId="329"/>
+            <ac:cxnSpMk id="3" creationId="{CFFF17CF-DF9F-4CC0-8526-A32A1DEA6C1B}"/>
+          </ac:cxnSpMkLst>
+        </pc:cxnChg>
+        <pc:cxnChg chg="add mod">
+          <ac:chgData name="Erkan ŞİRİN" userId="7f10ce1d6aaf8c5d" providerId="LiveId" clId="{171A55E5-C67D-45EF-9737-4231944B0F62}" dt="2019-07-15T10:57:14.760" v="140" actId="1076"/>
+          <ac:cxnSpMkLst>
+            <pc:docMk/>
+            <pc:sldMk cId="1960496334" sldId="329"/>
+            <ac:cxnSpMk id="17" creationId="{2335D72F-AE58-4FE9-8342-75F90DE90B43}"/>
+          </ac:cxnSpMkLst>
+        </pc:cxnChg>
+        <pc:cxnChg chg="add mod">
+          <ac:chgData name="Erkan ŞİRİN" userId="7f10ce1d6aaf8c5d" providerId="LiveId" clId="{171A55E5-C67D-45EF-9737-4231944B0F62}" dt="2019-07-15T10:57:48.067" v="144" actId="1076"/>
+          <ac:cxnSpMkLst>
+            <pc:docMk/>
+            <pc:sldMk cId="1960496334" sldId="329"/>
+            <ac:cxnSpMk id="19" creationId="{830684BE-8917-429A-AAA3-9F6C799DC5E6}"/>
+          </ac:cxnSpMkLst>
+        </pc:cxnChg>
+        <pc:cxnChg chg="add mod">
+          <ac:chgData name="Erkan ŞİRİN" userId="7f10ce1d6aaf8c5d" providerId="LiveId" clId="{171A55E5-C67D-45EF-9737-4231944B0F62}" dt="2019-07-15T10:57:41.580" v="143" actId="1076"/>
+          <ac:cxnSpMkLst>
+            <pc:docMk/>
+            <pc:sldMk cId="1960496334" sldId="329"/>
+            <ac:cxnSpMk id="20" creationId="{B0BC7F85-D64A-45D0-8898-656A06DD904E}"/>
+          </ac:cxnSpMkLst>
+        </pc:cxnChg>
       </pc:sldChg>
-      <pc:sldChg chg="delSp">
-        <pc:chgData name="Erkan ŞİRİN" userId="7f10ce1d6aaf8c5d" providerId="LiveId" clId="{14CEAA5C-FD5F-4017-9AE4-FB51F8CFA9BD}" dt="2019-03-20T12:06:16.663" v="8" actId="478"/>
+      <pc:sldChg chg="addSp delSp modSp">
+        <pc:chgData name="Erkan ŞİRİN" userId="7f10ce1d6aaf8c5d" providerId="LiveId" clId="{171A55E5-C67D-45EF-9737-4231944B0F62}" dt="2019-07-15T11:09:47.459" v="248" actId="1038"/>
         <pc:sldMkLst>
           <pc:docMk/>
           <pc:sldMk cId="727439780" sldId="330"/>
         </pc:sldMkLst>
-        <pc:grpChg chg="del">
-          <ac:chgData name="Erkan ŞİRİN" userId="7f10ce1d6aaf8c5d" providerId="LiveId" clId="{14CEAA5C-FD5F-4017-9AE4-FB51F8CFA9BD}" dt="2019-03-20T12:06:16.663" v="8" actId="478"/>
-          <ac:grpSpMkLst>
+        <pc:spChg chg="mod">
+          <ac:chgData name="Erkan ŞİRİN" userId="7f10ce1d6aaf8c5d" providerId="LiveId" clId="{171A55E5-C67D-45EF-9737-4231944B0F62}" dt="2019-07-15T10:59:30.787" v="212" actId="1038"/>
+          <ac:spMkLst>
             <pc:docMk/>
             <pc:sldMk cId="727439780" sldId="330"/>
-            <ac:grpSpMk id="15" creationId="{00000000-0000-0000-0000-000000000000}"/>
-          </ac:grpSpMkLst>
-        </pc:grpChg>
+            <ac:spMk id="9" creationId="{CF1860DF-A1D1-45DF-BAF6-893D8E9DB5D3}"/>
+          </ac:spMkLst>
+        </pc:spChg>
+        <pc:spChg chg="mod">
+          <ac:chgData name="Erkan ŞİRİN" userId="7f10ce1d6aaf8c5d" providerId="LiveId" clId="{171A55E5-C67D-45EF-9737-4231944B0F62}" dt="2019-07-15T10:53:34.614" v="9" actId="20577"/>
+          <ac:spMkLst>
+            <pc:docMk/>
+            <pc:sldMk cId="727439780" sldId="330"/>
+            <ac:spMk id="11" creationId="{A8080455-E721-44E5-9547-2D35A9D1E288}"/>
+          </ac:spMkLst>
+        </pc:spChg>
+        <pc:spChg chg="mod">
+          <ac:chgData name="Erkan ŞİRİN" userId="7f10ce1d6aaf8c5d" providerId="LiveId" clId="{171A55E5-C67D-45EF-9737-4231944B0F62}" dt="2019-07-15T10:59:30.787" v="212" actId="1038"/>
+          <ac:spMkLst>
+            <pc:docMk/>
+            <pc:sldMk cId="727439780" sldId="330"/>
+            <ac:spMk id="13" creationId="{405BC040-564A-41DC-9183-881C5D2205A5}"/>
+          </ac:spMkLst>
+        </pc:spChg>
+        <pc:spChg chg="mod">
+          <ac:chgData name="Erkan ŞİRİN" userId="7f10ce1d6aaf8c5d" providerId="LiveId" clId="{171A55E5-C67D-45EF-9737-4231944B0F62}" dt="2019-07-15T10:59:30.787" v="212" actId="1038"/>
+          <ac:spMkLst>
+            <pc:docMk/>
+            <pc:sldMk cId="727439780" sldId="330"/>
+            <ac:spMk id="14" creationId="{F1CBBAE0-2A65-454D-98A5-30185EE1755A}"/>
+          </ac:spMkLst>
+        </pc:spChg>
+        <pc:spChg chg="mod">
+          <ac:chgData name="Erkan ŞİRİN" userId="7f10ce1d6aaf8c5d" providerId="LiveId" clId="{171A55E5-C67D-45EF-9737-4231944B0F62}" dt="2019-07-15T10:59:30.787" v="212" actId="1038"/>
+          <ac:spMkLst>
+            <pc:docMk/>
+            <pc:sldMk cId="727439780" sldId="330"/>
+            <ac:spMk id="17" creationId="{16B67C5F-A27F-4A67-A7E4-7D517F29A05A}"/>
+          </ac:spMkLst>
+        </pc:spChg>
+        <pc:spChg chg="mod">
+          <ac:chgData name="Erkan ŞİRİN" userId="7f10ce1d6aaf8c5d" providerId="LiveId" clId="{171A55E5-C67D-45EF-9737-4231944B0F62}" dt="2019-07-15T10:59:30.787" v="212" actId="1038"/>
+          <ac:spMkLst>
+            <pc:docMk/>
+            <pc:sldMk cId="727439780" sldId="330"/>
+            <ac:spMk id="18" creationId="{2BD9B387-5E59-4842-80EC-A4A8B1A4B7E3}"/>
+          </ac:spMkLst>
+        </pc:spChg>
+        <pc:spChg chg="mod">
+          <ac:chgData name="Erkan ŞİRİN" userId="7f10ce1d6aaf8c5d" providerId="LiveId" clId="{171A55E5-C67D-45EF-9737-4231944B0F62}" dt="2019-07-15T10:59:30.787" v="212" actId="1038"/>
+          <ac:spMkLst>
+            <pc:docMk/>
+            <pc:sldMk cId="727439780" sldId="330"/>
+            <ac:spMk id="19" creationId="{7A0A5132-05CC-4F31-A9AD-45E3DFE37DEC}"/>
+          </ac:spMkLst>
+        </pc:spChg>
+        <pc:spChg chg="mod">
+          <ac:chgData name="Erkan ŞİRİN" userId="7f10ce1d6aaf8c5d" providerId="LiveId" clId="{171A55E5-C67D-45EF-9737-4231944B0F62}" dt="2019-07-15T10:59:30.787" v="212" actId="1038"/>
+          <ac:spMkLst>
+            <pc:docMk/>
+            <pc:sldMk cId="727439780" sldId="330"/>
+            <ac:spMk id="20" creationId="{46F47757-254C-4690-9F8A-9198008A3F25}"/>
+          </ac:spMkLst>
+        </pc:spChg>
+        <pc:spChg chg="mod">
+          <ac:chgData name="Erkan ŞİRİN" userId="7f10ce1d6aaf8c5d" providerId="LiveId" clId="{171A55E5-C67D-45EF-9737-4231944B0F62}" dt="2019-07-15T10:59:30.787" v="212" actId="1038"/>
+          <ac:spMkLst>
+            <pc:docMk/>
+            <pc:sldMk cId="727439780" sldId="330"/>
+            <ac:spMk id="21" creationId="{F44EAD33-D390-4D5B-A1DA-87985566C32D}"/>
+          </ac:spMkLst>
+        </pc:spChg>
+        <pc:spChg chg="mod">
+          <ac:chgData name="Erkan ŞİRİN" userId="7f10ce1d6aaf8c5d" providerId="LiveId" clId="{171A55E5-C67D-45EF-9737-4231944B0F62}" dt="2019-07-15T10:59:30.787" v="212" actId="1038"/>
+          <ac:spMkLst>
+            <pc:docMk/>
+            <pc:sldMk cId="727439780" sldId="330"/>
+            <ac:spMk id="22" creationId="{43FC598D-00A1-40BA-A254-B48F19B254ED}"/>
+          </ac:spMkLst>
+        </pc:spChg>
+        <pc:spChg chg="mod">
+          <ac:chgData name="Erkan ŞİRİN" userId="7f10ce1d6aaf8c5d" providerId="LiveId" clId="{171A55E5-C67D-45EF-9737-4231944B0F62}" dt="2019-07-15T10:59:30.787" v="212" actId="1038"/>
+          <ac:spMkLst>
+            <pc:docMk/>
+            <pc:sldMk cId="727439780" sldId="330"/>
+            <ac:spMk id="23" creationId="{C2B09164-EE82-40B3-8A34-70F4FCC31FFA}"/>
+          </ac:spMkLst>
+        </pc:spChg>
+        <pc:spChg chg="mod">
+          <ac:chgData name="Erkan ŞİRİN" userId="7f10ce1d6aaf8c5d" providerId="LiveId" clId="{171A55E5-C67D-45EF-9737-4231944B0F62}" dt="2019-07-15T10:59:30.787" v="212" actId="1038"/>
+          <ac:spMkLst>
+            <pc:docMk/>
+            <pc:sldMk cId="727439780" sldId="330"/>
+            <ac:spMk id="24" creationId="{5B067E84-2970-44DA-9CD8-E6B4C2566994}"/>
+          </ac:spMkLst>
+        </pc:spChg>
+        <pc:spChg chg="mod">
+          <ac:chgData name="Erkan ŞİRİN" userId="7f10ce1d6aaf8c5d" providerId="LiveId" clId="{171A55E5-C67D-45EF-9737-4231944B0F62}" dt="2019-07-15T10:59:30.787" v="212" actId="1038"/>
+          <ac:spMkLst>
+            <pc:docMk/>
+            <pc:sldMk cId="727439780" sldId="330"/>
+            <ac:spMk id="25" creationId="{0A4D08F9-973C-4E59-B77F-ADE6B4A6C428}"/>
+          </ac:spMkLst>
+        </pc:spChg>
+        <pc:spChg chg="mod">
+          <ac:chgData name="Erkan ŞİRİN" userId="7f10ce1d6aaf8c5d" providerId="LiveId" clId="{171A55E5-C67D-45EF-9737-4231944B0F62}" dt="2019-07-15T10:59:30.787" v="212" actId="1038"/>
+          <ac:spMkLst>
+            <pc:docMk/>
+            <pc:sldMk cId="727439780" sldId="330"/>
+            <ac:spMk id="26" creationId="{EDE9D2D4-F821-4B29-84E8-284175117F1C}"/>
+          </ac:spMkLst>
+        </pc:spChg>
+        <pc:spChg chg="mod">
+          <ac:chgData name="Erkan ŞİRİN" userId="7f10ce1d6aaf8c5d" providerId="LiveId" clId="{171A55E5-C67D-45EF-9737-4231944B0F62}" dt="2019-07-15T10:59:30.787" v="212" actId="1038"/>
+          <ac:spMkLst>
+            <pc:docMk/>
+            <pc:sldMk cId="727439780" sldId="330"/>
+            <ac:spMk id="27" creationId="{5A1A4225-9FF7-4BF3-AD18-4D1171DB69E9}"/>
+          </ac:spMkLst>
+        </pc:spChg>
+        <pc:spChg chg="mod">
+          <ac:chgData name="Erkan ŞİRİN" userId="7f10ce1d6aaf8c5d" providerId="LiveId" clId="{171A55E5-C67D-45EF-9737-4231944B0F62}" dt="2019-07-15T10:59:30.787" v="212" actId="1038"/>
+          <ac:spMkLst>
+            <pc:docMk/>
+            <pc:sldMk cId="727439780" sldId="330"/>
+            <ac:spMk id="28" creationId="{8B3CFD81-78A9-4529-8DBA-CA79C95E8FF8}"/>
+          </ac:spMkLst>
+        </pc:spChg>
+        <pc:spChg chg="mod">
+          <ac:chgData name="Erkan ŞİRİN" userId="7f10ce1d6aaf8c5d" providerId="LiveId" clId="{171A55E5-C67D-45EF-9737-4231944B0F62}" dt="2019-07-15T10:59:30.787" v="212" actId="1038"/>
+          <ac:spMkLst>
+            <pc:docMk/>
+            <pc:sldMk cId="727439780" sldId="330"/>
+            <ac:spMk id="29" creationId="{0CE3D22F-F5DD-47CD-ACB3-771902BFDCCD}"/>
+          </ac:spMkLst>
+        </pc:spChg>
+        <pc:spChg chg="mod">
+          <ac:chgData name="Erkan ŞİRİN" userId="7f10ce1d6aaf8c5d" providerId="LiveId" clId="{171A55E5-C67D-45EF-9737-4231944B0F62}" dt="2019-07-15T10:59:30.787" v="212" actId="1038"/>
+          <ac:spMkLst>
+            <pc:docMk/>
+            <pc:sldMk cId="727439780" sldId="330"/>
+            <ac:spMk id="30" creationId="{DFAA428F-00C6-4F49-968E-2F3C1FD1B98A}"/>
+          </ac:spMkLst>
+        </pc:spChg>
+        <pc:spChg chg="mod">
+          <ac:chgData name="Erkan ŞİRİN" userId="7f10ce1d6aaf8c5d" providerId="LiveId" clId="{171A55E5-C67D-45EF-9737-4231944B0F62}" dt="2019-07-15T10:59:30.787" v="212" actId="1038"/>
+          <ac:spMkLst>
+            <pc:docMk/>
+            <pc:sldMk cId="727439780" sldId="330"/>
+            <ac:spMk id="31" creationId="{48B6F13A-0C5E-4B4C-8709-D62B853A5F46}"/>
+          </ac:spMkLst>
+        </pc:spChg>
+        <pc:spChg chg="mod">
+          <ac:chgData name="Erkan ŞİRİN" userId="7f10ce1d6aaf8c5d" providerId="LiveId" clId="{171A55E5-C67D-45EF-9737-4231944B0F62}" dt="2019-07-15T10:59:30.787" v="212" actId="1038"/>
+          <ac:spMkLst>
+            <pc:docMk/>
+            <pc:sldMk cId="727439780" sldId="330"/>
+            <ac:spMk id="32" creationId="{CF8BA3D6-CBB6-4053-A917-E5DB75563ED5}"/>
+          </ac:spMkLst>
+        </pc:spChg>
+        <pc:spChg chg="mod">
+          <ac:chgData name="Erkan ŞİRİN" userId="7f10ce1d6aaf8c5d" providerId="LiveId" clId="{171A55E5-C67D-45EF-9737-4231944B0F62}" dt="2019-07-15T10:59:30.787" v="212" actId="1038"/>
+          <ac:spMkLst>
+            <pc:docMk/>
+            <pc:sldMk cId="727439780" sldId="330"/>
+            <ac:spMk id="33" creationId="{6A964B57-AE77-4E2F-8C60-FE8C4F6E7F17}"/>
+          </ac:spMkLst>
+        </pc:spChg>
+        <pc:spChg chg="mod">
+          <ac:chgData name="Erkan ŞİRİN" userId="7f10ce1d6aaf8c5d" providerId="LiveId" clId="{171A55E5-C67D-45EF-9737-4231944B0F62}" dt="2019-07-15T10:59:30.787" v="212" actId="1038"/>
+          <ac:spMkLst>
+            <pc:docMk/>
+            <pc:sldMk cId="727439780" sldId="330"/>
+            <ac:spMk id="34" creationId="{C0D42700-E33F-46C2-BA1F-DD46D39082D8}"/>
+          </ac:spMkLst>
+        </pc:spChg>
+        <pc:spChg chg="mod">
+          <ac:chgData name="Erkan ŞİRİN" userId="7f10ce1d6aaf8c5d" providerId="LiveId" clId="{171A55E5-C67D-45EF-9737-4231944B0F62}" dt="2019-07-15T10:59:30.787" v="212" actId="1038"/>
+          <ac:spMkLst>
+            <pc:docMk/>
+            <pc:sldMk cId="727439780" sldId="330"/>
+            <ac:spMk id="35" creationId="{358B5657-8C06-4D27-A0FD-EE8467ED9E3A}"/>
+          </ac:spMkLst>
+        </pc:spChg>
+        <pc:spChg chg="mod">
+          <ac:chgData name="Erkan ŞİRİN" userId="7f10ce1d6aaf8c5d" providerId="LiveId" clId="{171A55E5-C67D-45EF-9737-4231944B0F62}" dt="2019-07-15T10:59:30.787" v="212" actId="1038"/>
+          <ac:spMkLst>
+            <pc:docMk/>
+            <pc:sldMk cId="727439780" sldId="330"/>
+            <ac:spMk id="36" creationId="{FE383FD8-F21C-4DDF-86CB-2BCA7C71116B}"/>
+          </ac:spMkLst>
+        </pc:spChg>
+        <pc:spChg chg="mod">
+          <ac:chgData name="Erkan ŞİRİN" userId="7f10ce1d6aaf8c5d" providerId="LiveId" clId="{171A55E5-C67D-45EF-9737-4231944B0F62}" dt="2019-07-15T10:59:30.787" v="212" actId="1038"/>
+          <ac:spMkLst>
+            <pc:docMk/>
+            <pc:sldMk cId="727439780" sldId="330"/>
+            <ac:spMk id="37" creationId="{1C4139B5-2572-46C3-8188-09B045AF4F9A}"/>
+          </ac:spMkLst>
+        </pc:spChg>
+        <pc:spChg chg="mod">
+          <ac:chgData name="Erkan ŞİRİN" userId="7f10ce1d6aaf8c5d" providerId="LiveId" clId="{171A55E5-C67D-45EF-9737-4231944B0F62}" dt="2019-07-15T10:59:30.787" v="212" actId="1038"/>
+          <ac:spMkLst>
+            <pc:docMk/>
+            <pc:sldMk cId="727439780" sldId="330"/>
+            <ac:spMk id="38" creationId="{77D0EABF-D867-4BAC-B88F-27235B3CC20F}"/>
+          </ac:spMkLst>
+        </pc:spChg>
+        <pc:spChg chg="mod">
+          <ac:chgData name="Erkan ŞİRİN" userId="7f10ce1d6aaf8c5d" providerId="LiveId" clId="{171A55E5-C67D-45EF-9737-4231944B0F62}" dt="2019-07-15T10:59:30.787" v="212" actId="1038"/>
+          <ac:spMkLst>
+            <pc:docMk/>
+            <pc:sldMk cId="727439780" sldId="330"/>
+            <ac:spMk id="39" creationId="{12C6339C-8C9B-4949-A6EE-01519B251B5E}"/>
+          </ac:spMkLst>
+        </pc:spChg>
+        <pc:spChg chg="mod">
+          <ac:chgData name="Erkan ŞİRİN" userId="7f10ce1d6aaf8c5d" providerId="LiveId" clId="{171A55E5-C67D-45EF-9737-4231944B0F62}" dt="2019-07-15T10:53:43.958" v="33" actId="1038"/>
+          <ac:spMkLst>
+            <pc:docMk/>
+            <pc:sldMk cId="727439780" sldId="330"/>
+            <ac:spMk id="41" creationId="{E20D6C46-A762-4551-8D2A-03ECDC51B90E}"/>
+          </ac:spMkLst>
+        </pc:spChg>
+        <pc:spChg chg="mod">
+          <ac:chgData name="Erkan ŞİRİN" userId="7f10ce1d6aaf8c5d" providerId="LiveId" clId="{171A55E5-C67D-45EF-9737-4231944B0F62}" dt="2019-07-15T11:09:47.459" v="248" actId="1038"/>
+          <ac:spMkLst>
+            <pc:docMk/>
+            <pc:sldMk cId="727439780" sldId="330"/>
+            <ac:spMk id="42" creationId="{98515AEC-5387-4C34-9A3B-9775F0E11FAA}"/>
+          </ac:spMkLst>
+        </pc:spChg>
+        <pc:spChg chg="mod">
+          <ac:chgData name="Erkan ŞİRİN" userId="7f10ce1d6aaf8c5d" providerId="LiveId" clId="{171A55E5-C67D-45EF-9737-4231944B0F62}" dt="2019-07-15T10:59:30.787" v="212" actId="1038"/>
+          <ac:spMkLst>
+            <pc:docMk/>
+            <pc:sldMk cId="727439780" sldId="330"/>
+            <ac:spMk id="43" creationId="{CA5318F6-7D2C-42B2-9A18-52B927883E83}"/>
+          </ac:spMkLst>
+        </pc:spChg>
+        <pc:spChg chg="mod">
+          <ac:chgData name="Erkan ŞİRİN" userId="7f10ce1d6aaf8c5d" providerId="LiveId" clId="{171A55E5-C67D-45EF-9737-4231944B0F62}" dt="2019-07-15T10:59:30.787" v="212" actId="1038"/>
+          <ac:spMkLst>
+            <pc:docMk/>
+            <pc:sldMk cId="727439780" sldId="330"/>
+            <ac:spMk id="44" creationId="{D6D7802F-86B7-4A91-8C42-BCD0E6C52246}"/>
+          </ac:spMkLst>
+        </pc:spChg>
+        <pc:spChg chg="mod">
+          <ac:chgData name="Erkan ŞİRİN" userId="7f10ce1d6aaf8c5d" providerId="LiveId" clId="{171A55E5-C67D-45EF-9737-4231944B0F62}" dt="2019-07-15T10:59:30.787" v="212" actId="1038"/>
+          <ac:spMkLst>
+            <pc:docMk/>
+            <pc:sldMk cId="727439780" sldId="330"/>
+            <ac:spMk id="45" creationId="{1CD57172-FD01-4885-999B-7817E4587C35}"/>
+          </ac:spMkLst>
+        </pc:spChg>
+        <pc:spChg chg="mod">
+          <ac:chgData name="Erkan ŞİRİN" userId="7f10ce1d6aaf8c5d" providerId="LiveId" clId="{171A55E5-C67D-45EF-9737-4231944B0F62}" dt="2019-07-15T10:59:30.787" v="212" actId="1038"/>
+          <ac:spMkLst>
+            <pc:docMk/>
+            <pc:sldMk cId="727439780" sldId="330"/>
+            <ac:spMk id="46" creationId="{9FCAB6F4-9D27-415B-85DD-3AF94ADA4D60}"/>
+          </ac:spMkLst>
+        </pc:spChg>
+        <pc:spChg chg="mod">
+          <ac:chgData name="Erkan ŞİRİN" userId="7f10ce1d6aaf8c5d" providerId="LiveId" clId="{171A55E5-C67D-45EF-9737-4231944B0F62}" dt="2019-07-15T10:59:30.787" v="212" actId="1038"/>
+          <ac:spMkLst>
+            <pc:docMk/>
+            <pc:sldMk cId="727439780" sldId="330"/>
+            <ac:spMk id="47" creationId="{CD70653D-3BCA-4ECB-81BF-C4B6B8FB1D02}"/>
+          </ac:spMkLst>
+        </pc:spChg>
+        <pc:spChg chg="mod">
+          <ac:chgData name="Erkan ŞİRİN" userId="7f10ce1d6aaf8c5d" providerId="LiveId" clId="{171A55E5-C67D-45EF-9737-4231944B0F62}" dt="2019-07-15T10:59:30.787" v="212" actId="1038"/>
+          <ac:spMkLst>
+            <pc:docMk/>
+            <pc:sldMk cId="727439780" sldId="330"/>
+            <ac:spMk id="48" creationId="{909743A4-BE44-4370-B800-E4D1BE4D9AE2}"/>
+          </ac:spMkLst>
+        </pc:spChg>
+        <pc:spChg chg="mod">
+          <ac:chgData name="Erkan ŞİRİN" userId="7f10ce1d6aaf8c5d" providerId="LiveId" clId="{171A55E5-C67D-45EF-9737-4231944B0F62}" dt="2019-07-15T10:59:30.787" v="212" actId="1038"/>
+          <ac:spMkLst>
+            <pc:docMk/>
+            <pc:sldMk cId="727439780" sldId="330"/>
+            <ac:spMk id="49" creationId="{FB0E4086-8609-4DFE-97DA-CB12DEE97309}"/>
+          </ac:spMkLst>
+        </pc:spChg>
+        <pc:spChg chg="mod">
+          <ac:chgData name="Erkan ŞİRİN" userId="7f10ce1d6aaf8c5d" providerId="LiveId" clId="{171A55E5-C67D-45EF-9737-4231944B0F62}" dt="2019-07-15T10:59:30.787" v="212" actId="1038"/>
+          <ac:spMkLst>
+            <pc:docMk/>
+            <pc:sldMk cId="727439780" sldId="330"/>
+            <ac:spMk id="50" creationId="{809E2B47-56D0-4557-A70B-0F2CDD73B8BA}"/>
+          </ac:spMkLst>
+        </pc:spChg>
+        <pc:spChg chg="mod">
+          <ac:chgData name="Erkan ŞİRİN" userId="7f10ce1d6aaf8c5d" providerId="LiveId" clId="{171A55E5-C67D-45EF-9737-4231944B0F62}" dt="2019-07-15T10:59:30.787" v="212" actId="1038"/>
+          <ac:spMkLst>
+            <pc:docMk/>
+            <pc:sldMk cId="727439780" sldId="330"/>
+            <ac:spMk id="51" creationId="{21CDE731-6335-4A4F-9F2E-B3C8F1A8E8F7}"/>
+          </ac:spMkLst>
+        </pc:spChg>
+        <pc:spChg chg="mod">
+          <ac:chgData name="Erkan ŞİRİN" userId="7f10ce1d6aaf8c5d" providerId="LiveId" clId="{171A55E5-C67D-45EF-9737-4231944B0F62}" dt="2019-07-15T10:59:49.248" v="216" actId="20577"/>
+          <ac:spMkLst>
+            <pc:docMk/>
+            <pc:sldMk cId="727439780" sldId="330"/>
+            <ac:spMk id="53" creationId="{7A7C6B7F-04FD-45C3-AB34-EA3D7109C2F1}"/>
+          </ac:spMkLst>
+        </pc:spChg>
+        <pc:spChg chg="add mod">
+          <ac:chgData name="Erkan ŞİRİN" userId="7f10ce1d6aaf8c5d" providerId="LiveId" clId="{171A55E5-C67D-45EF-9737-4231944B0F62}" dt="2019-07-15T10:59:13.398" v="168" actId="14100"/>
+          <ac:spMkLst>
+            <pc:docMk/>
+            <pc:sldMk cId="727439780" sldId="330"/>
+            <ac:spMk id="54" creationId="{98A9E393-3409-482C-926D-DDFB1F5F35A7}"/>
+          </ac:spMkLst>
+        </pc:spChg>
+        <pc:spChg chg="add mod">
+          <ac:chgData name="Erkan ŞİRİN" userId="7f10ce1d6aaf8c5d" providerId="LiveId" clId="{171A55E5-C67D-45EF-9737-4231944B0F62}" dt="2019-07-15T10:59:55.561" v="217" actId="1076"/>
+          <ac:spMkLst>
+            <pc:docMk/>
+            <pc:sldMk cId="727439780" sldId="330"/>
+            <ac:spMk id="55" creationId="{A082AE1A-C6D8-43AC-9F80-D3497C7E403D}"/>
+          </ac:spMkLst>
+        </pc:spChg>
+        <pc:spChg chg="add mod">
+          <ac:chgData name="Erkan ŞİRİN" userId="7f10ce1d6aaf8c5d" providerId="LiveId" clId="{171A55E5-C67D-45EF-9737-4231944B0F62}" dt="2019-07-15T11:00:13.138" v="220" actId="1076"/>
+          <ac:spMkLst>
+            <pc:docMk/>
+            <pc:sldMk cId="727439780" sldId="330"/>
+            <ac:spMk id="56" creationId="{5A5CF3A2-8CFF-4604-80C1-EF015F77C131}"/>
+          </ac:spMkLst>
+        </pc:spChg>
+        <pc:cxnChg chg="add mod">
+          <ac:chgData name="Erkan ŞİRİN" userId="7f10ce1d6aaf8c5d" providerId="LiveId" clId="{171A55E5-C67D-45EF-9737-4231944B0F62}" dt="2019-07-15T11:05:31.427" v="224" actId="14100"/>
+          <ac:cxnSpMkLst>
+            <pc:docMk/>
+            <pc:sldMk cId="727439780" sldId="330"/>
+            <ac:cxnSpMk id="57" creationId="{CFF60057-C502-42CF-B50E-A30C4B7EDAFD}"/>
+          </ac:cxnSpMkLst>
+        </pc:cxnChg>
+        <pc:cxnChg chg="add mod">
+          <ac:chgData name="Erkan ŞİRİN" userId="7f10ce1d6aaf8c5d" providerId="LiveId" clId="{171A55E5-C67D-45EF-9737-4231944B0F62}" dt="2019-07-15T11:05:34.258" v="225" actId="14100"/>
+          <ac:cxnSpMkLst>
+            <pc:docMk/>
+            <pc:sldMk cId="727439780" sldId="330"/>
+            <ac:cxnSpMk id="58" creationId="{64B37B86-E928-4DEC-A672-CEAC9E253AD2}"/>
+          </ac:cxnSpMkLst>
+        </pc:cxnChg>
+        <pc:cxnChg chg="add del">
+          <ac:chgData name="Erkan ŞİRİN" userId="7f10ce1d6aaf8c5d" providerId="LiveId" clId="{171A55E5-C67D-45EF-9737-4231944B0F62}" dt="2019-07-15T11:05:40.570" v="227"/>
+          <ac:cxnSpMkLst>
+            <pc:docMk/>
+            <pc:sldMk cId="727439780" sldId="330"/>
+            <ac:cxnSpMk id="59" creationId="{D80938C4-4CEE-43DB-B021-2851FFE23CE7}"/>
+          </ac:cxnSpMkLst>
+        </pc:cxnChg>
+        <pc:cxnChg chg="add del">
+          <ac:chgData name="Erkan ŞİRİN" userId="7f10ce1d6aaf8c5d" providerId="LiveId" clId="{171A55E5-C67D-45EF-9737-4231944B0F62}" dt="2019-07-15T11:05:40.570" v="227"/>
+          <ac:cxnSpMkLst>
+            <pc:docMk/>
+            <pc:sldMk cId="727439780" sldId="330"/>
+            <ac:cxnSpMk id="60" creationId="{1C4ABF2C-BC8C-4810-91A5-E85ABC9C0DB9}"/>
+          </ac:cxnSpMkLst>
+        </pc:cxnChg>
+        <pc:cxnChg chg="add mod">
+          <ac:chgData name="Erkan ŞİRİN" userId="7f10ce1d6aaf8c5d" providerId="LiveId" clId="{171A55E5-C67D-45EF-9737-4231944B0F62}" dt="2019-07-15T11:05:49.971" v="230" actId="14100"/>
+          <ac:cxnSpMkLst>
+            <pc:docMk/>
+            <pc:sldMk cId="727439780" sldId="330"/>
+            <ac:cxnSpMk id="61" creationId="{891A3AF6-7AF3-456B-A463-DFFD19943B08}"/>
+          </ac:cxnSpMkLst>
+        </pc:cxnChg>
+        <pc:cxnChg chg="add mod">
+          <ac:chgData name="Erkan ŞİRİN" userId="7f10ce1d6aaf8c5d" providerId="LiveId" clId="{171A55E5-C67D-45EF-9737-4231944B0F62}" dt="2019-07-15T11:05:59.139" v="233" actId="14100"/>
+          <ac:cxnSpMkLst>
+            <pc:docMk/>
+            <pc:sldMk cId="727439780" sldId="330"/>
+            <ac:cxnSpMk id="62" creationId="{F4B5D8A0-0810-4E6A-8177-14788260C3D8}"/>
+          </ac:cxnSpMkLst>
+        </pc:cxnChg>
+        <pc:cxnChg chg="add mod">
+          <ac:chgData name="Erkan ŞİRİN" userId="7f10ce1d6aaf8c5d" providerId="LiveId" clId="{171A55E5-C67D-45EF-9737-4231944B0F62}" dt="2019-07-15T11:06:10.342" v="238" actId="14100"/>
+          <ac:cxnSpMkLst>
+            <pc:docMk/>
+            <pc:sldMk cId="727439780" sldId="330"/>
+            <ac:cxnSpMk id="63" creationId="{A21E9F47-F803-4206-B02E-CD6649BA5F44}"/>
+          </ac:cxnSpMkLst>
+        </pc:cxnChg>
+        <pc:cxnChg chg="add mod">
+          <ac:chgData name="Erkan ŞİRİN" userId="7f10ce1d6aaf8c5d" providerId="LiveId" clId="{171A55E5-C67D-45EF-9737-4231944B0F62}" dt="2019-07-15T11:06:15.085" v="240" actId="14100"/>
+          <ac:cxnSpMkLst>
+            <pc:docMk/>
+            <pc:sldMk cId="727439780" sldId="330"/>
+            <ac:cxnSpMk id="64" creationId="{A483D97C-B0DE-4DA2-A308-30F032FA0ED3}"/>
+          </ac:cxnSpMkLst>
+        </pc:cxnChg>
+        <pc:cxnChg chg="add mod">
+          <ac:chgData name="Erkan ŞİRİN" userId="7f10ce1d6aaf8c5d" providerId="LiveId" clId="{171A55E5-C67D-45EF-9737-4231944B0F62}" dt="2019-07-15T11:06:20.524" v="242" actId="14100"/>
+          <ac:cxnSpMkLst>
+            <pc:docMk/>
+            <pc:sldMk cId="727439780" sldId="330"/>
+            <ac:cxnSpMk id="65" creationId="{132965EA-72CD-4A93-970A-542DABA374F3}"/>
+          </ac:cxnSpMkLst>
+        </pc:cxnChg>
       </pc:sldChg>
-      <pc:sldChg chg="addSp delSp modSp delAnim modAnim">
-        <pc:chgData name="Erkan ŞİRİN" userId="7f10ce1d6aaf8c5d" providerId="LiveId" clId="{14CEAA5C-FD5F-4017-9AE4-FB51F8CFA9BD}" dt="2019-04-05T07:47:10.602" v="571" actId="20577"/>
+      <pc:sldChg chg="addSp delSp modSp ord">
+        <pc:chgData name="Erkan ŞİRİN" userId="7f10ce1d6aaf8c5d" providerId="LiveId" clId="{171A55E5-C67D-45EF-9737-4231944B0F62}" dt="2019-07-15T11:17:13.990" v="635"/>
         <pc:sldMkLst>
           <pc:docMk/>
           <pc:sldMk cId="3840003656" sldId="331"/>
         </pc:sldMkLst>
-        <pc:spChg chg="mod">
-          <ac:chgData name="Erkan ŞİRİN" userId="7f10ce1d6aaf8c5d" providerId="LiveId" clId="{14CEAA5C-FD5F-4017-9AE4-FB51F8CFA9BD}" dt="2019-04-05T07:47:10.602" v="571" actId="20577"/>
+        <pc:spChg chg="del">
+          <ac:chgData name="Erkan ŞİRİN" userId="7f10ce1d6aaf8c5d" providerId="LiveId" clId="{171A55E5-C67D-45EF-9737-4231944B0F62}" dt="2019-07-15T11:12:56.960" v="252" actId="478"/>
           <ac:spMkLst>
             <pc:docMk/>
             <pc:sldMk cId="3840003656" sldId="331"/>
@@ -409,7 +700,7 @@
           </ac:spMkLst>
         </pc:spChg>
         <pc:spChg chg="mod">
-          <ac:chgData name="Erkan ŞİRİN" userId="7f10ce1d6aaf8c5d" providerId="LiveId" clId="{14CEAA5C-FD5F-4017-9AE4-FB51F8CFA9BD}" dt="2019-04-05T04:39:16.333" v="229"/>
+          <ac:chgData name="Erkan ŞİRİN" userId="7f10ce1d6aaf8c5d" providerId="LiveId" clId="{171A55E5-C67D-45EF-9737-4231944B0F62}" dt="2019-07-15T11:13:55.911" v="380" actId="14100"/>
           <ac:spMkLst>
             <pc:docMk/>
             <pc:sldMk cId="3840003656" sldId="331"/>
@@ -417,298 +708,28 @@
           </ac:spMkLst>
         </pc:spChg>
         <pc:spChg chg="mod">
-          <ac:chgData name="Erkan ŞİRİN" userId="7f10ce1d6aaf8c5d" providerId="LiveId" clId="{14CEAA5C-FD5F-4017-9AE4-FB51F8CFA9BD}" dt="2019-04-05T07:46:52.031" v="563" actId="1076"/>
+          <ac:chgData name="Erkan ŞİRİN" userId="7f10ce1d6aaf8c5d" providerId="LiveId" clId="{171A55E5-C67D-45EF-9737-4231944B0F62}" dt="2019-07-15T11:17:07.103" v="634" actId="20577"/>
           <ac:spMkLst>
             <pc:docMk/>
             <pc:sldMk cId="3840003656" sldId="331"/>
             <ac:spMk id="28" creationId="{D18C02D5-2EEE-4DF4-B0A6-70911E345508}"/>
           </ac:spMkLst>
         </pc:spChg>
-        <pc:spChg chg="del mod">
-          <ac:chgData name="Erkan ŞİRİN" userId="7f10ce1d6aaf8c5d" providerId="LiveId" clId="{14CEAA5C-FD5F-4017-9AE4-FB51F8CFA9BD}" dt="2019-04-05T07:41:39.319" v="524" actId="478"/>
-          <ac:spMkLst>
-            <pc:docMk/>
-            <pc:sldMk cId="3840003656" sldId="331"/>
-            <ac:spMk id="39" creationId="{66F3EF98-FF54-43F9-AC97-9EE6BED1C1E9}"/>
-          </ac:spMkLst>
-        </pc:spChg>
-        <pc:grpChg chg="del">
-          <ac:chgData name="Erkan ŞİRİN" userId="7f10ce1d6aaf8c5d" providerId="LiveId" clId="{14CEAA5C-FD5F-4017-9AE4-FB51F8CFA9BD}" dt="2019-03-21T05:12:04.594" v="11" actId="478"/>
-          <ac:grpSpMkLst>
-            <pc:docMk/>
-            <pc:sldMk cId="3840003656" sldId="331"/>
-            <ac:grpSpMk id="15" creationId="{00000000-0000-0000-0000-000000000000}"/>
-          </ac:grpSpMkLst>
-        </pc:grpChg>
-        <pc:graphicFrameChg chg="del mod modGraphic">
-          <ac:chgData name="Erkan ŞİRİN" userId="7f10ce1d6aaf8c5d" providerId="LiveId" clId="{14CEAA5C-FD5F-4017-9AE4-FB51F8CFA9BD}" dt="2019-04-05T07:46:19.118" v="560" actId="478"/>
-          <ac:graphicFrameMkLst>
-            <pc:docMk/>
-            <pc:sldMk cId="3840003656" sldId="331"/>
-            <ac:graphicFrameMk id="3" creationId="{E948AFA1-2422-4E13-842F-FBFD18C10E15}"/>
-          </ac:graphicFrameMkLst>
-        </pc:graphicFrameChg>
-        <pc:graphicFrameChg chg="add del mod modGraphic">
-          <ac:chgData name="Erkan ŞİRİN" userId="7f10ce1d6aaf8c5d" providerId="LiveId" clId="{14CEAA5C-FD5F-4017-9AE4-FB51F8CFA9BD}" dt="2019-04-05T07:46:19.118" v="560" actId="478"/>
-          <ac:graphicFrameMkLst>
-            <pc:docMk/>
-            <pc:sldMk cId="3840003656" sldId="331"/>
-            <ac:graphicFrameMk id="12" creationId="{BAC4B404-7A55-4D57-9088-3918D76C7CFC}"/>
-          </ac:graphicFrameMkLst>
-        </pc:graphicFrameChg>
-        <pc:picChg chg="del mod">
-          <ac:chgData name="Erkan ŞİRİN" userId="7f10ce1d6aaf8c5d" providerId="LiveId" clId="{14CEAA5C-FD5F-4017-9AE4-FB51F8CFA9BD}" dt="2019-04-05T07:46:45.228" v="561" actId="478"/>
-          <ac:picMkLst>
-            <pc:docMk/>
-            <pc:sldMk cId="3840003656" sldId="331"/>
-            <ac:picMk id="11" creationId="{2D179031-6FED-4D45-A3B6-75714AC50606}"/>
-          </ac:picMkLst>
-        </pc:picChg>
-        <pc:picChg chg="add del mod">
-          <ac:chgData name="Erkan ŞİRİN" userId="7f10ce1d6aaf8c5d" providerId="LiveId" clId="{14CEAA5C-FD5F-4017-9AE4-FB51F8CFA9BD}" dt="2019-04-05T07:46:45.228" v="561" actId="478"/>
-          <ac:picMkLst>
-            <pc:docMk/>
-            <pc:sldMk cId="3840003656" sldId="331"/>
-            <ac:picMk id="13" creationId="{0664FC9B-2688-48B9-B3BF-2EC7BC82E18B}"/>
-          </ac:picMkLst>
-        </pc:picChg>
-        <pc:picChg chg="add del mod">
-          <ac:chgData name="Erkan ŞİRİN" userId="7f10ce1d6aaf8c5d" providerId="LiveId" clId="{14CEAA5C-FD5F-4017-9AE4-FB51F8CFA9BD}" dt="2019-04-05T07:46:45.228" v="561" actId="478"/>
-          <ac:picMkLst>
-            <pc:docMk/>
-            <pc:sldMk cId="3840003656" sldId="331"/>
-            <ac:picMk id="14" creationId="{4DE86A47-B260-4AA4-8D6E-671872CB4FF8}"/>
-          </ac:picMkLst>
-        </pc:picChg>
-        <pc:picChg chg="add del mod">
-          <ac:chgData name="Erkan ŞİRİN" userId="7f10ce1d6aaf8c5d" providerId="LiveId" clId="{14CEAA5C-FD5F-4017-9AE4-FB51F8CFA9BD}" dt="2019-04-05T07:45:46.891" v="555" actId="478"/>
-          <ac:picMkLst>
-            <pc:docMk/>
-            <pc:sldMk cId="3840003656" sldId="331"/>
-            <ac:picMk id="15" creationId="{A0C0E54F-F2E6-4BE6-B99B-C1511D36A6D2}"/>
-          </ac:picMkLst>
-        </pc:picChg>
-        <pc:picChg chg="del mod">
-          <ac:chgData name="Erkan ŞİRİN" userId="7f10ce1d6aaf8c5d" providerId="LiveId" clId="{14CEAA5C-FD5F-4017-9AE4-FB51F8CFA9BD}" dt="2019-04-05T07:46:45.228" v="561" actId="478"/>
-          <ac:picMkLst>
-            <pc:docMk/>
-            <pc:sldMk cId="3840003656" sldId="331"/>
-            <ac:picMk id="23" creationId="{1D9324B7-3FC5-48CA-9F70-74A51A9AC2F0}"/>
-          </ac:picMkLst>
-        </pc:picChg>
-        <pc:picChg chg="del mod">
-          <ac:chgData name="Erkan ŞİRİN" userId="7f10ce1d6aaf8c5d" providerId="LiveId" clId="{14CEAA5C-FD5F-4017-9AE4-FB51F8CFA9BD}" dt="2019-04-05T07:46:45.228" v="561" actId="478"/>
-          <ac:picMkLst>
-            <pc:docMk/>
-            <pc:sldMk cId="3840003656" sldId="331"/>
-            <ac:picMk id="24" creationId="{0BF5A945-1624-4311-89F5-E4A67DD2DE1D}"/>
-          </ac:picMkLst>
-        </pc:picChg>
-        <pc:picChg chg="del mod">
-          <ac:chgData name="Erkan ŞİRİN" userId="7f10ce1d6aaf8c5d" providerId="LiveId" clId="{14CEAA5C-FD5F-4017-9AE4-FB51F8CFA9BD}" dt="2019-04-05T04:37:39.001" v="219" actId="478"/>
-          <ac:picMkLst>
-            <pc:docMk/>
-            <pc:sldMk cId="3840003656" sldId="331"/>
-            <ac:picMk id="25" creationId="{D7E481EE-D77D-4CEC-9C95-6D33DFF506AE}"/>
-          </ac:picMkLst>
-        </pc:picChg>
-        <pc:picChg chg="del mod">
-          <ac:chgData name="Erkan ŞİRİN" userId="7f10ce1d6aaf8c5d" providerId="LiveId" clId="{14CEAA5C-FD5F-4017-9AE4-FB51F8CFA9BD}" dt="2019-04-05T04:37:41.130" v="220" actId="478"/>
-          <ac:picMkLst>
-            <pc:docMk/>
-            <pc:sldMk cId="3840003656" sldId="331"/>
-            <ac:picMk id="26" creationId="{7E13BEEC-0270-42D8-B275-5FDC503167FC}"/>
-          </ac:picMkLst>
-        </pc:picChg>
-        <pc:picChg chg="del mod">
-          <ac:chgData name="Erkan ŞİRİN" userId="7f10ce1d6aaf8c5d" providerId="LiveId" clId="{14CEAA5C-FD5F-4017-9AE4-FB51F8CFA9BD}" dt="2019-04-05T04:37:44.052" v="221" actId="478"/>
-          <ac:picMkLst>
-            <pc:docMk/>
-            <pc:sldMk cId="3840003656" sldId="331"/>
-            <ac:picMk id="27" creationId="{486E415B-52B1-4D32-B2B8-5DF7F649CFBE}"/>
-          </ac:picMkLst>
-        </pc:picChg>
-        <pc:cxnChg chg="del">
-          <ac:chgData name="Erkan ŞİRİN" userId="7f10ce1d6aaf8c5d" providerId="LiveId" clId="{14CEAA5C-FD5F-4017-9AE4-FB51F8CFA9BD}" dt="2019-04-05T07:45:10.720" v="542" actId="478"/>
+        <pc:cxnChg chg="add">
+          <ac:chgData name="Erkan ŞİRİN" userId="7f10ce1d6aaf8c5d" providerId="LiveId" clId="{171A55E5-C67D-45EF-9737-4231944B0F62}" dt="2019-07-15T11:17:13.990" v="635"/>
           <ac:cxnSpMkLst>
             <pc:docMk/>
             <pc:sldMk cId="3840003656" sldId="331"/>
-            <ac:cxnSpMk id="10" creationId="{00000000-0000-0000-0000-000000000000}"/>
+            <ac:cxnSpMk id="5" creationId="{AD893BA1-5576-4C80-A972-11D1D47E4C46}"/>
           </ac:cxnSpMkLst>
         </pc:cxnChg>
       </pc:sldChg>
-      <pc:sldChg chg="delSp">
-        <pc:chgData name="Erkan ŞİRİN" userId="7f10ce1d6aaf8c5d" providerId="LiveId" clId="{14CEAA5C-FD5F-4017-9AE4-FB51F8CFA9BD}" dt="2019-03-20T12:06:23.197" v="10" actId="478"/>
+      <pc:sldChg chg="add">
+        <pc:chgData name="Erkan ŞİRİN" userId="7f10ce1d6aaf8c5d" providerId="LiveId" clId="{171A55E5-C67D-45EF-9737-4231944B0F62}" dt="2019-07-15T11:12:43.546" v="249"/>
         <pc:sldMkLst>
           <pc:docMk/>
-          <pc:sldMk cId="4001743617" sldId="332"/>
+          <pc:sldMk cId="153456511" sldId="335"/>
         </pc:sldMkLst>
-        <pc:grpChg chg="del">
-          <ac:chgData name="Erkan ŞİRİN" userId="7f10ce1d6aaf8c5d" providerId="LiveId" clId="{14CEAA5C-FD5F-4017-9AE4-FB51F8CFA9BD}" dt="2019-03-20T12:06:23.197" v="10" actId="478"/>
-          <ac:grpSpMkLst>
-            <pc:docMk/>
-            <pc:sldMk cId="4001743617" sldId="332"/>
-            <ac:grpSpMk id="15" creationId="{00000000-0000-0000-0000-000000000000}"/>
-          </ac:grpSpMkLst>
-        </pc:grpChg>
-      </pc:sldChg>
-      <pc:sldChg chg="addSp delSp modSp add">
-        <pc:chgData name="Erkan ŞİRİN" userId="7f10ce1d6aaf8c5d" providerId="LiveId" clId="{14CEAA5C-FD5F-4017-9AE4-FB51F8CFA9BD}" dt="2019-04-05T07:31:39.736" v="337" actId="1076"/>
-        <pc:sldMkLst>
-          <pc:docMk/>
-          <pc:sldMk cId="2672542062" sldId="333"/>
-        </pc:sldMkLst>
-        <pc:spChg chg="add del mod">
-          <ac:chgData name="Erkan ŞİRİN" userId="7f10ce1d6aaf8c5d" providerId="LiveId" clId="{14CEAA5C-FD5F-4017-9AE4-FB51F8CFA9BD}" dt="2019-04-05T07:31:05.550" v="318" actId="478"/>
-          <ac:spMkLst>
-            <pc:docMk/>
-            <pc:sldMk cId="2672542062" sldId="333"/>
-            <ac:spMk id="4" creationId="{1FDD334F-2068-417D-87B4-B5A0F0381F72}"/>
-          </ac:spMkLst>
-        </pc:spChg>
-        <pc:spChg chg="add mod">
-          <ac:chgData name="Erkan ŞİRİN" userId="7f10ce1d6aaf8c5d" providerId="LiveId" clId="{14CEAA5C-FD5F-4017-9AE4-FB51F8CFA9BD}" dt="2019-04-05T07:31:39.736" v="337" actId="1076"/>
-          <ac:spMkLst>
-            <pc:docMk/>
-            <pc:sldMk cId="2672542062" sldId="333"/>
-            <ac:spMk id="5" creationId="{48BB223C-DDE7-4D8D-A23A-B27CB3087D9F}"/>
-          </ac:spMkLst>
-        </pc:spChg>
-        <pc:spChg chg="mod">
-          <ac:chgData name="Erkan ŞİRİN" userId="7f10ce1d6aaf8c5d" providerId="LiveId" clId="{14CEAA5C-FD5F-4017-9AE4-FB51F8CFA9BD}" dt="2019-04-05T07:30:35.056" v="312" actId="1076"/>
-          <ac:spMkLst>
-            <pc:docMk/>
-            <pc:sldMk cId="2672542062" sldId="333"/>
-            <ac:spMk id="16" creationId="{00000000-0000-0000-0000-000000000000}"/>
-          </ac:spMkLst>
-        </pc:spChg>
-        <pc:grpChg chg="del">
-          <ac:chgData name="Erkan ŞİRİN" userId="7f10ce1d6aaf8c5d" providerId="LiveId" clId="{14CEAA5C-FD5F-4017-9AE4-FB51F8CFA9BD}" dt="2019-04-05T07:29:23.474" v="306" actId="478"/>
-          <ac:grpSpMkLst>
-            <pc:docMk/>
-            <pc:sldMk cId="2672542062" sldId="333"/>
-            <ac:grpSpMk id="14" creationId="{EB793E17-046B-4FEB-811D-4D7050415127}"/>
-          </ac:grpSpMkLst>
-        </pc:grpChg>
-        <pc:grpChg chg="del">
-          <ac:chgData name="Erkan ŞİRİN" userId="7f10ce1d6aaf8c5d" providerId="LiveId" clId="{14CEAA5C-FD5F-4017-9AE4-FB51F8CFA9BD}" dt="2019-04-05T07:30:37.565" v="313" actId="478"/>
-          <ac:grpSpMkLst>
-            <pc:docMk/>
-            <pc:sldMk cId="2672542062" sldId="333"/>
-            <ac:grpSpMk id="18" creationId="{A5723E2E-6F8E-41F1-A7BC-F5B9BF3CEF18}"/>
-          </ac:grpSpMkLst>
-        </pc:grpChg>
-        <pc:picChg chg="add mod">
-          <ac:chgData name="Erkan ŞİRİN" userId="7f10ce1d6aaf8c5d" providerId="LiveId" clId="{14CEAA5C-FD5F-4017-9AE4-FB51F8CFA9BD}" dt="2019-04-05T07:30:43.068" v="315" actId="1076"/>
-          <ac:picMkLst>
-            <pc:docMk/>
-            <pc:sldMk cId="2672542062" sldId="333"/>
-            <ac:picMk id="3" creationId="{EBA25AEA-9EB0-49F6-B890-B721460ED4E8}"/>
-          </ac:picMkLst>
-        </pc:picChg>
-        <pc:cxnChg chg="del">
-          <ac:chgData name="Erkan ŞİRİN" userId="7f10ce1d6aaf8c5d" providerId="LiveId" clId="{14CEAA5C-FD5F-4017-9AE4-FB51F8CFA9BD}" dt="2019-04-05T07:30:40.157" v="314" actId="478"/>
-          <ac:cxnSpMkLst>
-            <pc:docMk/>
-            <pc:sldMk cId="2672542062" sldId="333"/>
-            <ac:cxnSpMk id="10" creationId="{00000000-0000-0000-0000-000000000000}"/>
-          </ac:cxnSpMkLst>
-        </pc:cxnChg>
-        <pc:cxnChg chg="mod">
-          <ac:chgData name="Erkan ŞİRİN" userId="7f10ce1d6aaf8c5d" providerId="LiveId" clId="{14CEAA5C-FD5F-4017-9AE4-FB51F8CFA9BD}" dt="2019-04-05T07:30:37.565" v="313" actId="478"/>
-          <ac:cxnSpMkLst>
-            <pc:docMk/>
-            <pc:sldMk cId="2672542062" sldId="333"/>
-            <ac:cxnSpMk id="24" creationId="{53FFF727-6569-44E3-9C51-7DB6E32B8813}"/>
-          </ac:cxnSpMkLst>
-        </pc:cxnChg>
-        <pc:cxnChg chg="mod">
-          <ac:chgData name="Erkan ŞİRİN" userId="7f10ce1d6aaf8c5d" providerId="LiveId" clId="{14CEAA5C-FD5F-4017-9AE4-FB51F8CFA9BD}" dt="2019-04-05T07:30:37.565" v="313" actId="478"/>
-          <ac:cxnSpMkLst>
-            <pc:docMk/>
-            <pc:sldMk cId="2672542062" sldId="333"/>
-            <ac:cxnSpMk id="25" creationId="{F8967829-EADE-4E40-9841-B6A8C240BC21}"/>
-          </ac:cxnSpMkLst>
-        </pc:cxnChg>
-        <pc:cxnChg chg="mod">
-          <ac:chgData name="Erkan ŞİRİN" userId="7f10ce1d6aaf8c5d" providerId="LiveId" clId="{14CEAA5C-FD5F-4017-9AE4-FB51F8CFA9BD}" dt="2019-04-05T07:30:37.565" v="313" actId="478"/>
-          <ac:cxnSpMkLst>
-            <pc:docMk/>
-            <pc:sldMk cId="2672542062" sldId="333"/>
-            <ac:cxnSpMk id="26" creationId="{21C9363E-12E4-4C3E-A8C4-087500737B12}"/>
-          </ac:cxnSpMkLst>
-        </pc:cxnChg>
-      </pc:sldChg>
-      <pc:sldChg chg="addSp delSp modSp add">
-        <pc:chgData name="Erkan ŞİRİN" userId="7f10ce1d6aaf8c5d" providerId="LiveId" clId="{14CEAA5C-FD5F-4017-9AE4-FB51F8CFA9BD}" dt="2019-04-05T07:39:06.090" v="478" actId="1076"/>
-        <pc:sldMkLst>
-          <pc:docMk/>
-          <pc:sldMk cId="1990129277" sldId="334"/>
-        </pc:sldMkLst>
-        <pc:spChg chg="add mod">
-          <ac:chgData name="Erkan ŞİRİN" userId="7f10ce1d6aaf8c5d" providerId="LiveId" clId="{14CEAA5C-FD5F-4017-9AE4-FB51F8CFA9BD}" dt="2019-04-05T07:38:55.100" v="476" actId="1038"/>
-          <ac:spMkLst>
-            <pc:docMk/>
-            <pc:sldMk cId="1990129277" sldId="334"/>
-            <ac:spMk id="7" creationId="{6C77101B-A154-453A-B077-C6E836C69E07}"/>
-          </ac:spMkLst>
-        </pc:spChg>
-        <pc:spChg chg="add mod">
-          <ac:chgData name="Erkan ŞİRİN" userId="7f10ce1d6aaf8c5d" providerId="LiveId" clId="{14CEAA5C-FD5F-4017-9AE4-FB51F8CFA9BD}" dt="2019-04-05T07:38:55.100" v="476" actId="1038"/>
-          <ac:spMkLst>
-            <pc:docMk/>
-            <pc:sldMk cId="1990129277" sldId="334"/>
-            <ac:spMk id="8" creationId="{722F637E-C631-4D12-A82B-FF3793E4D1CE}"/>
-          </ac:spMkLst>
-        </pc:spChg>
-        <pc:spChg chg="mod">
-          <ac:chgData name="Erkan ŞİRİN" userId="7f10ce1d6aaf8c5d" providerId="LiveId" clId="{14CEAA5C-FD5F-4017-9AE4-FB51F8CFA9BD}" dt="2019-04-05T07:39:06.090" v="478" actId="1076"/>
-          <ac:spMkLst>
-            <pc:docMk/>
-            <pc:sldMk cId="1990129277" sldId="334"/>
-            <ac:spMk id="9" creationId="{36D17963-ECE8-4D11-B175-FD874AE01E50}"/>
-          </ac:spMkLst>
-        </pc:spChg>
-        <pc:spChg chg="add mod">
-          <ac:chgData name="Erkan ŞİRİN" userId="7f10ce1d6aaf8c5d" providerId="LiveId" clId="{14CEAA5C-FD5F-4017-9AE4-FB51F8CFA9BD}" dt="2019-04-05T07:38:55.100" v="476" actId="1038"/>
-          <ac:spMkLst>
-            <pc:docMk/>
-            <pc:sldMk cId="1990129277" sldId="334"/>
-            <ac:spMk id="11" creationId="{DD00E1D7-3ADA-4AAF-899D-55E45178692E}"/>
-          </ac:spMkLst>
-        </pc:spChg>
-        <pc:spChg chg="mod">
-          <ac:chgData name="Erkan ŞİRİN" userId="7f10ce1d6aaf8c5d" providerId="LiveId" clId="{14CEAA5C-FD5F-4017-9AE4-FB51F8CFA9BD}" dt="2019-04-05T07:39:02.505" v="477" actId="1076"/>
-          <ac:spMkLst>
-            <pc:docMk/>
-            <pc:sldMk cId="1990129277" sldId="334"/>
-            <ac:spMk id="13" creationId="{A90D9513-B6B1-4E36-8CCF-F87513269638}"/>
-          </ac:spMkLst>
-        </pc:spChg>
-        <pc:spChg chg="mod">
-          <ac:chgData name="Erkan ŞİRİN" userId="7f10ce1d6aaf8c5d" providerId="LiveId" clId="{14CEAA5C-FD5F-4017-9AE4-FB51F8CFA9BD}" dt="2019-04-05T07:38:55.100" v="476" actId="1038"/>
-          <ac:spMkLst>
-            <pc:docMk/>
-            <pc:sldMk cId="1990129277" sldId="334"/>
-            <ac:spMk id="14" creationId="{2A4D2792-374E-4FC6-BD87-54834B871176}"/>
-          </ac:spMkLst>
-        </pc:spChg>
-        <pc:spChg chg="mod">
-          <ac:chgData name="Erkan ŞİRİN" userId="7f10ce1d6aaf8c5d" providerId="LiveId" clId="{14CEAA5C-FD5F-4017-9AE4-FB51F8CFA9BD}" dt="2019-04-05T07:38:47.250" v="455" actId="14100"/>
-          <ac:spMkLst>
-            <pc:docMk/>
-            <pc:sldMk cId="1990129277" sldId="334"/>
-            <ac:spMk id="16" creationId="{00000000-0000-0000-0000-000000000000}"/>
-          </ac:spMkLst>
-        </pc:spChg>
-        <pc:cxnChg chg="del">
-          <ac:chgData name="Erkan ŞİRİN" userId="7f10ce1d6aaf8c5d" providerId="LiveId" clId="{14CEAA5C-FD5F-4017-9AE4-FB51F8CFA9BD}" dt="2019-04-05T07:36:33.721" v="401" actId="478"/>
-          <ac:cxnSpMkLst>
-            <pc:docMk/>
-            <pc:sldMk cId="1990129277" sldId="334"/>
-            <ac:cxnSpMk id="10" creationId="{00000000-0000-0000-0000-000000000000}"/>
-          </ac:cxnSpMkLst>
-        </pc:cxnChg>
       </pc:sldChg>
     </pc:docChg>
   </pc:docChgLst>
@@ -797,7 +818,7 @@
           <a:p>
             <a:fld id="{6F77F576-AE14-466D-AA6B-335273622B21}" type="datetimeFigureOut">
               <a:rPr lang="en-US" smtClean="0"/>
-              <a:t>4/5/2019</a:t>
+              <a:t>7/15/2019</a:t>
             </a:fld>
             <a:endParaRPr lang="en-US"/>
           </a:p>
@@ -1196,7 +1217,7 @@
           <a:p>
             <a:fld id="{54AA066D-271F-4C1A-B89A-0705A7689EE9}" type="datetimeFigureOut">
               <a:rPr lang="en-US" smtClean="0"/>
-              <a:t>4/5/2019</a:t>
+              <a:t>7/15/2019</a:t>
             </a:fld>
             <a:endParaRPr lang="en-US"/>
           </a:p>
@@ -1366,7 +1387,7 @@
           <a:p>
             <a:fld id="{54AA066D-271F-4C1A-B89A-0705A7689EE9}" type="datetimeFigureOut">
               <a:rPr lang="en-US" smtClean="0"/>
-              <a:t>4/5/2019</a:t>
+              <a:t>7/15/2019</a:t>
             </a:fld>
             <a:endParaRPr lang="en-US"/>
           </a:p>
@@ -1546,7 +1567,7 @@
           <a:p>
             <a:fld id="{54AA066D-271F-4C1A-B89A-0705A7689EE9}" type="datetimeFigureOut">
               <a:rPr lang="en-US" smtClean="0"/>
-              <a:t>4/5/2019</a:t>
+              <a:t>7/15/2019</a:t>
             </a:fld>
             <a:endParaRPr lang="en-US"/>
           </a:p>
@@ -1716,7 +1737,7 @@
           <a:p>
             <a:fld id="{54AA066D-271F-4C1A-B89A-0705A7689EE9}" type="datetimeFigureOut">
               <a:rPr lang="en-US" smtClean="0"/>
-              <a:t>4/5/2019</a:t>
+              <a:t>7/15/2019</a:t>
             </a:fld>
             <a:endParaRPr lang="en-US"/>
           </a:p>
@@ -1962,7 +1983,7 @@
           <a:p>
             <a:fld id="{54AA066D-271F-4C1A-B89A-0705A7689EE9}" type="datetimeFigureOut">
               <a:rPr lang="en-US" smtClean="0"/>
-              <a:t>4/5/2019</a:t>
+              <a:t>7/15/2019</a:t>
             </a:fld>
             <a:endParaRPr lang="en-US"/>
           </a:p>
@@ -2194,7 +2215,7 @@
           <a:p>
             <a:fld id="{54AA066D-271F-4C1A-B89A-0705A7689EE9}" type="datetimeFigureOut">
               <a:rPr lang="en-US" smtClean="0"/>
-              <a:t>4/5/2019</a:t>
+              <a:t>7/15/2019</a:t>
             </a:fld>
             <a:endParaRPr lang="en-US"/>
           </a:p>
@@ -2561,7 +2582,7 @@
           <a:p>
             <a:fld id="{54AA066D-271F-4C1A-B89A-0705A7689EE9}" type="datetimeFigureOut">
               <a:rPr lang="en-US" smtClean="0"/>
-              <a:t>4/5/2019</a:t>
+              <a:t>7/15/2019</a:t>
             </a:fld>
             <a:endParaRPr lang="en-US"/>
           </a:p>
@@ -2679,7 +2700,7 @@
           <a:p>
             <a:fld id="{54AA066D-271F-4C1A-B89A-0705A7689EE9}" type="datetimeFigureOut">
               <a:rPr lang="en-US" smtClean="0"/>
-              <a:t>4/5/2019</a:t>
+              <a:t>7/15/2019</a:t>
             </a:fld>
             <a:endParaRPr lang="en-US"/>
           </a:p>
@@ -2774,7 +2795,7 @@
           <a:p>
             <a:fld id="{54AA066D-271F-4C1A-B89A-0705A7689EE9}" type="datetimeFigureOut">
               <a:rPr lang="en-US" smtClean="0"/>
-              <a:t>4/5/2019</a:t>
+              <a:t>7/15/2019</a:t>
             </a:fld>
             <a:endParaRPr lang="en-US"/>
           </a:p>
@@ -3051,7 +3072,7 @@
           <a:p>
             <a:fld id="{54AA066D-271F-4C1A-B89A-0705A7689EE9}" type="datetimeFigureOut">
               <a:rPr lang="en-US" smtClean="0"/>
-              <a:t>4/5/2019</a:t>
+              <a:t>7/15/2019</a:t>
             </a:fld>
             <a:endParaRPr lang="en-US"/>
           </a:p>
@@ -3304,7 +3325,7 @@
           <a:p>
             <a:fld id="{54AA066D-271F-4C1A-B89A-0705A7689EE9}" type="datetimeFigureOut">
               <a:rPr lang="en-US" smtClean="0"/>
-              <a:t>4/5/2019</a:t>
+              <a:t>7/15/2019</a:t>
             </a:fld>
             <a:endParaRPr lang="en-US"/>
           </a:p>
@@ -3517,7 +3538,7 @@
           <a:p>
             <a:fld id="{54AA066D-271F-4C1A-B89A-0705A7689EE9}" type="datetimeFigureOut">
               <a:rPr lang="en-US" smtClean="0"/>
-              <a:t>4/5/2019</a:t>
+              <a:t>7/15/2019</a:t>
             </a:fld>
             <a:endParaRPr lang="en-US"/>
           </a:p>
@@ -4522,7 +4543,7 @@
         </p:nvSpPr>
         <p:spPr>
           <a:xfrm>
-            <a:off x="2520167" y="2510534"/>
+            <a:off x="4756929" y="2510534"/>
             <a:ext cx="685800" cy="507992"/>
           </a:xfrm>
           <a:prstGeom prst="rect">
@@ -4568,7 +4589,7 @@
         </p:nvSpPr>
         <p:spPr>
           <a:xfrm>
-            <a:off x="2520167" y="3090977"/>
+            <a:off x="4756929" y="3090977"/>
             <a:ext cx="685800" cy="507992"/>
           </a:xfrm>
           <a:prstGeom prst="rect">
@@ -4614,7 +4635,7 @@
         </p:nvSpPr>
         <p:spPr>
           <a:xfrm>
-            <a:off x="2520167" y="3671420"/>
+            <a:off x="4756929" y="3671420"/>
             <a:ext cx="685800" cy="507992"/>
           </a:xfrm>
           <a:prstGeom prst="rect">
@@ -4660,7 +4681,7 @@
         </p:nvSpPr>
         <p:spPr>
           <a:xfrm>
-            <a:off x="2520167" y="4835860"/>
+            <a:off x="4756929" y="4835860"/>
             <a:ext cx="685800" cy="507992"/>
           </a:xfrm>
           <a:prstGeom prst="rect">
@@ -4706,7 +4727,7 @@
         </p:nvSpPr>
         <p:spPr>
           <a:xfrm>
-            <a:off x="2520167" y="4253640"/>
+            <a:off x="4756929" y="4253640"/>
             <a:ext cx="685800" cy="507992"/>
           </a:xfrm>
           <a:prstGeom prst="rect">
@@ -4752,7 +4773,7 @@
         </p:nvSpPr>
         <p:spPr>
           <a:xfrm>
-            <a:off x="3959107" y="2537488"/>
+            <a:off x="6195869" y="2537488"/>
             <a:ext cx="685800" cy="507992"/>
           </a:xfrm>
           <a:prstGeom prst="rect">
@@ -4803,7 +4824,7 @@
         </p:nvSpPr>
         <p:spPr>
           <a:xfrm>
-            <a:off x="3959107" y="3117931"/>
+            <a:off x="6195869" y="3117931"/>
             <a:ext cx="685800" cy="507992"/>
           </a:xfrm>
           <a:prstGeom prst="rect">
@@ -4854,7 +4875,7 @@
         </p:nvSpPr>
         <p:spPr>
           <a:xfrm>
-            <a:off x="3959107" y="3698374"/>
+            <a:off x="6195869" y="3698374"/>
             <a:ext cx="685800" cy="507992"/>
           </a:xfrm>
           <a:prstGeom prst="rect">
@@ -4900,7 +4921,7 @@
         </p:nvSpPr>
         <p:spPr>
           <a:xfrm>
-            <a:off x="3959107" y="4862814"/>
+            <a:off x="6195869" y="4862814"/>
             <a:ext cx="685800" cy="507992"/>
           </a:xfrm>
           <a:prstGeom prst="rect">
@@ -4946,7 +4967,7 @@
         </p:nvSpPr>
         <p:spPr>
           <a:xfrm>
-            <a:off x="3959107" y="4280594"/>
+            <a:off x="6195869" y="4280594"/>
             <a:ext cx="685800" cy="507992"/>
           </a:xfrm>
           <a:prstGeom prst="rect">
@@ -4992,7 +5013,7 @@
         </p:nvSpPr>
         <p:spPr>
           <a:xfrm>
-            <a:off x="5398047" y="2548330"/>
+            <a:off x="7634809" y="2548330"/>
             <a:ext cx="685800" cy="507992"/>
           </a:xfrm>
           <a:prstGeom prst="rect">
@@ -5043,7 +5064,7 @@
         </p:nvSpPr>
         <p:spPr>
           <a:xfrm>
-            <a:off x="5398047" y="3128773"/>
+            <a:off x="7634809" y="3128773"/>
             <a:ext cx="685800" cy="507992"/>
           </a:xfrm>
           <a:prstGeom prst="rect">
@@ -5089,7 +5110,7 @@
         </p:nvSpPr>
         <p:spPr>
           <a:xfrm>
-            <a:off x="5398047" y="3709216"/>
+            <a:off x="7634809" y="3709216"/>
             <a:ext cx="685800" cy="507992"/>
           </a:xfrm>
           <a:prstGeom prst="rect">
@@ -5140,7 +5161,7 @@
         </p:nvSpPr>
         <p:spPr>
           <a:xfrm>
-            <a:off x="5398047" y="4873656"/>
+            <a:off x="7634809" y="4873656"/>
             <a:ext cx="685800" cy="507992"/>
           </a:xfrm>
           <a:prstGeom prst="rect">
@@ -5186,7 +5207,7 @@
         </p:nvSpPr>
         <p:spPr>
           <a:xfrm>
-            <a:off x="5398047" y="4291436"/>
+            <a:off x="7634809" y="4291436"/>
             <a:ext cx="685800" cy="507992"/>
           </a:xfrm>
           <a:prstGeom prst="rect">
@@ -5232,7 +5253,7 @@
         </p:nvSpPr>
         <p:spPr>
           <a:xfrm>
-            <a:off x="6877527" y="2548540"/>
+            <a:off x="9114289" y="2548540"/>
             <a:ext cx="685800" cy="507992"/>
           </a:xfrm>
           <a:prstGeom prst="rect">
@@ -5283,7 +5304,7 @@
         </p:nvSpPr>
         <p:spPr>
           <a:xfrm>
-            <a:off x="6877527" y="3128983"/>
+            <a:off x="9114289" y="3128983"/>
             <a:ext cx="685800" cy="507992"/>
           </a:xfrm>
           <a:prstGeom prst="rect">
@@ -5329,7 +5350,7 @@
         </p:nvSpPr>
         <p:spPr>
           <a:xfrm>
-            <a:off x="6877527" y="3709426"/>
+            <a:off x="9114289" y="3709426"/>
             <a:ext cx="685800" cy="507992"/>
           </a:xfrm>
           <a:prstGeom prst="rect">
@@ -5375,7 +5396,7 @@
         </p:nvSpPr>
         <p:spPr>
           <a:xfrm>
-            <a:off x="6877527" y="4873866"/>
+            <a:off x="9114289" y="4873866"/>
             <a:ext cx="685800" cy="507992"/>
           </a:xfrm>
           <a:prstGeom prst="rect">
@@ -5421,7 +5442,7 @@
         </p:nvSpPr>
         <p:spPr>
           <a:xfrm>
-            <a:off x="6877527" y="4291646"/>
+            <a:off x="9114289" y="4291646"/>
             <a:ext cx="685800" cy="507992"/>
           </a:xfrm>
           <a:prstGeom prst="rect">
@@ -5472,7 +5493,7 @@
         </p:nvSpPr>
         <p:spPr>
           <a:xfrm>
-            <a:off x="8275925" y="2548749"/>
+            <a:off x="10512687" y="2548749"/>
             <a:ext cx="685800" cy="507992"/>
           </a:xfrm>
           <a:prstGeom prst="rect">
@@ -5523,7 +5544,7 @@
         </p:nvSpPr>
         <p:spPr>
           <a:xfrm>
-            <a:off x="8275925" y="3129192"/>
+            <a:off x="10512687" y="3129192"/>
             <a:ext cx="685800" cy="507992"/>
           </a:xfrm>
           <a:prstGeom prst="rect">
@@ -5569,7 +5590,7 @@
         </p:nvSpPr>
         <p:spPr>
           <a:xfrm>
-            <a:off x="8275925" y="3709635"/>
+            <a:off x="10512687" y="3709635"/>
             <a:ext cx="685800" cy="507992"/>
           </a:xfrm>
           <a:prstGeom prst="rect">
@@ -5615,7 +5636,7 @@
         </p:nvSpPr>
         <p:spPr>
           <a:xfrm>
-            <a:off x="8275925" y="4874075"/>
+            <a:off x="10512687" y="4874075"/>
             <a:ext cx="685800" cy="507992"/>
           </a:xfrm>
           <a:prstGeom prst="rect">
@@ -5666,7 +5687,7 @@
         </p:nvSpPr>
         <p:spPr>
           <a:xfrm>
-            <a:off x="8275925" y="4291855"/>
+            <a:off x="10512687" y="4291855"/>
             <a:ext cx="685800" cy="507992"/>
           </a:xfrm>
           <a:prstGeom prst="rect">
@@ -5758,7 +5779,7 @@
         </p:nvSpPr>
         <p:spPr>
           <a:xfrm>
-            <a:off x="5640097" y="5664462"/>
+            <a:off x="6104335" y="5664462"/>
             <a:ext cx="267283" cy="185229"/>
           </a:xfrm>
           <a:prstGeom prst="rect">
@@ -5805,7 +5826,7 @@
         <p:spPr>
           <a:xfrm>
             <a:off x="4790124" y="5598580"/>
-            <a:ext cx="607923" cy="369332"/>
+            <a:ext cx="1180644" cy="369332"/>
           </a:xfrm>
           <a:prstGeom prst="rect">
             <a:avLst/>
@@ -5818,10 +5839,10 @@
           <a:lstStyle/>
           <a:p>
             <a:r>
-              <a:rPr lang="tr-TR" dirty="0">
-                <a:latin typeface="Roboto"/>
-              </a:rPr>
-              <a:t>Test</a:t>
+              <a:rPr lang="tr-TR" dirty="0" err="1">
+                <a:latin typeface="Roboto"/>
+              </a:rPr>
+              <a:t>Validation</a:t>
             </a:r>
             <a:endParaRPr lang="tr-TR" dirty="0"/>
           </a:p>
@@ -5841,7 +5862,7 @@
         </p:nvSpPr>
         <p:spPr>
           <a:xfrm>
-            <a:off x="6051660" y="5584124"/>
+            <a:off x="6428800" y="5597333"/>
             <a:ext cx="825867" cy="369332"/>
           </a:xfrm>
           <a:prstGeom prst="rect">
@@ -5878,7 +5899,7 @@
         </p:nvSpPr>
         <p:spPr>
           <a:xfrm>
-            <a:off x="2520167" y="1122283"/>
+            <a:off x="4756929" y="1122283"/>
             <a:ext cx="795924" cy="369332"/>
           </a:xfrm>
           <a:prstGeom prst="rect">
@@ -5922,7 +5943,7 @@
         </p:nvSpPr>
         <p:spPr>
           <a:xfrm>
-            <a:off x="2769545" y="1603154"/>
+            <a:off x="5006307" y="1603154"/>
             <a:ext cx="280563" cy="507992"/>
           </a:xfrm>
           <a:prstGeom prst="downArrow">
@@ -5968,7 +5989,7 @@
         </p:nvSpPr>
         <p:spPr>
           <a:xfrm>
-            <a:off x="3941653" y="1121049"/>
+            <a:off x="6178415" y="1121049"/>
             <a:ext cx="795924" cy="369332"/>
           </a:xfrm>
           <a:prstGeom prst="rect">
@@ -6012,7 +6033,7 @@
         </p:nvSpPr>
         <p:spPr>
           <a:xfrm>
-            <a:off x="4191031" y="1601920"/>
+            <a:off x="6427793" y="1601920"/>
             <a:ext cx="280563" cy="507992"/>
           </a:xfrm>
           <a:prstGeom prst="downArrow">
@@ -6058,7 +6079,7 @@
         </p:nvSpPr>
         <p:spPr>
           <a:xfrm>
-            <a:off x="5287923" y="1121049"/>
+            <a:off x="7524685" y="1121049"/>
             <a:ext cx="795924" cy="369332"/>
           </a:xfrm>
           <a:prstGeom prst="rect">
@@ -6102,7 +6123,7 @@
         </p:nvSpPr>
         <p:spPr>
           <a:xfrm>
-            <a:off x="5537301" y="1601920"/>
+            <a:off x="7774063" y="1601920"/>
             <a:ext cx="280563" cy="507992"/>
           </a:xfrm>
           <a:prstGeom prst="downArrow">
@@ -6148,7 +6169,7 @@
         </p:nvSpPr>
         <p:spPr>
           <a:xfrm>
-            <a:off x="6767403" y="1121049"/>
+            <a:off x="9004165" y="1121049"/>
             <a:ext cx="795924" cy="369332"/>
           </a:xfrm>
           <a:prstGeom prst="rect">
@@ -6192,7 +6213,7 @@
         </p:nvSpPr>
         <p:spPr>
           <a:xfrm>
-            <a:off x="7016781" y="1601920"/>
+            <a:off x="9253543" y="1601920"/>
             <a:ext cx="280563" cy="507992"/>
           </a:xfrm>
           <a:prstGeom prst="downArrow">
@@ -6238,7 +6259,7 @@
         </p:nvSpPr>
         <p:spPr>
           <a:xfrm>
-            <a:off x="8246883" y="1126713"/>
+            <a:off x="10483645" y="1126713"/>
             <a:ext cx="795924" cy="369332"/>
           </a:xfrm>
           <a:prstGeom prst="rect">
@@ -6282,7 +6303,7 @@
         </p:nvSpPr>
         <p:spPr>
           <a:xfrm>
-            <a:off x="8496261" y="1607584"/>
+            <a:off x="10733023" y="1607584"/>
             <a:ext cx="280563" cy="507992"/>
           </a:xfrm>
           <a:prstGeom prst="downArrow">
@@ -6389,8 +6410,8 @@
         </p:nvSpPr>
         <p:spPr>
           <a:xfrm>
-            <a:off x="9464208" y="3066116"/>
-            <a:ext cx="2087526" cy="707886"/>
+            <a:off x="7684564" y="5632993"/>
+            <a:ext cx="3707287" cy="400110"/>
           </a:xfrm>
           <a:prstGeom prst="rect">
             <a:avLst/>
@@ -6412,12 +6433,24 @@
               <a:rPr lang="en-US" sz="2000" dirty="0">
                 <a:latin typeface="Roboto"/>
               </a:rPr>
-              <a:t> K = 5 </a:t>
+              <a:t> </a:t>
             </a:r>
             <a:r>
               <a:rPr lang="tr-TR" sz="2000" dirty="0">
                 <a:latin typeface="Roboto"/>
               </a:rPr>
+              <a:t>k</a:t>
+            </a:r>
+            <a:r>
+              <a:rPr lang="en-US" sz="2000" dirty="0">
+                <a:latin typeface="Roboto"/>
+              </a:rPr>
+              <a:t> = 5 </a:t>
+            </a:r>
+            <a:r>
+              <a:rPr lang="tr-TR" sz="2000" dirty="0">
+                <a:latin typeface="Roboto"/>
+              </a:rPr>
               <a:t>veya</a:t>
             </a:r>
             <a:r>
@@ -6435,6 +6468,450 @@
           </a:p>
         </p:txBody>
       </p:sp>
+      <p:sp>
+        <p:nvSpPr>
+          <p:cNvPr id="54" name="Dikdörtgen 53">
+            <a:extLst>
+              <a:ext uri="{FF2B5EF4-FFF2-40B4-BE49-F238E27FC236}">
+                <a16:creationId xmlns:a16="http://schemas.microsoft.com/office/drawing/2014/main" id="{98A9E393-3409-482C-926D-DDFB1F5F35A7}"/>
+              </a:ext>
+            </a:extLst>
+          </p:cNvPr>
+          <p:cNvSpPr/>
+          <p:nvPr/>
+        </p:nvSpPr>
+        <p:spPr>
+          <a:xfrm>
+            <a:off x="342464" y="833928"/>
+            <a:ext cx="685800" cy="4530554"/>
+          </a:xfrm>
+          <a:prstGeom prst="rect">
+            <a:avLst/>
+          </a:prstGeom>
+        </p:spPr>
+        <p:style>
+          <a:lnRef idx="1">
+            <a:schemeClr val="accent3"/>
+          </a:lnRef>
+          <a:fillRef idx="2">
+            <a:schemeClr val="accent3"/>
+          </a:fillRef>
+          <a:effectRef idx="1">
+            <a:schemeClr val="accent3"/>
+          </a:effectRef>
+          <a:fontRef idx="minor">
+            <a:schemeClr val="dk1"/>
+          </a:fontRef>
+        </p:style>
+        <p:txBody>
+          <a:bodyPr rtlCol="0" anchor="ctr"/>
+          <a:lstStyle/>
+          <a:p>
+            <a:pPr algn="ctr"/>
+            <a:r>
+              <a:rPr lang="tr-TR" dirty="0"/>
+              <a:t>Data</a:t>
+            </a:r>
+          </a:p>
+        </p:txBody>
+      </p:sp>
+      <p:sp>
+        <p:nvSpPr>
+          <p:cNvPr id="55" name="Dikdörtgen 54">
+            <a:extLst>
+              <a:ext uri="{FF2B5EF4-FFF2-40B4-BE49-F238E27FC236}">
+                <a16:creationId xmlns:a16="http://schemas.microsoft.com/office/drawing/2014/main" id="{A082AE1A-C6D8-43AC-9F80-D3497C7E403D}"/>
+              </a:ext>
+            </a:extLst>
+          </p:cNvPr>
+          <p:cNvSpPr/>
+          <p:nvPr/>
+        </p:nvSpPr>
+        <p:spPr>
+          <a:xfrm>
+            <a:off x="2556658" y="2508757"/>
+            <a:ext cx="685800" cy="2833318"/>
+          </a:xfrm>
+          <a:prstGeom prst="rect">
+            <a:avLst/>
+          </a:prstGeom>
+        </p:spPr>
+        <p:style>
+          <a:lnRef idx="1">
+            <a:schemeClr val="accent3"/>
+          </a:lnRef>
+          <a:fillRef idx="2">
+            <a:schemeClr val="accent3"/>
+          </a:fillRef>
+          <a:effectRef idx="1">
+            <a:schemeClr val="accent3"/>
+          </a:effectRef>
+          <a:fontRef idx="minor">
+            <a:schemeClr val="dk1"/>
+          </a:fontRef>
+        </p:style>
+        <p:txBody>
+          <a:bodyPr rtlCol="0" anchor="ctr"/>
+          <a:lstStyle/>
+          <a:p>
+            <a:pPr algn="ctr"/>
+            <a:r>
+              <a:rPr lang="tr-TR" dirty="0"/>
+              <a:t>Train</a:t>
+            </a:r>
+          </a:p>
+        </p:txBody>
+      </p:sp>
+      <p:sp>
+        <p:nvSpPr>
+          <p:cNvPr id="56" name="Dikdörtgen 55">
+            <a:extLst>
+              <a:ext uri="{FF2B5EF4-FFF2-40B4-BE49-F238E27FC236}">
+                <a16:creationId xmlns:a16="http://schemas.microsoft.com/office/drawing/2014/main" id="{5A5CF3A2-8CFF-4604-80C1-EF015F77C131}"/>
+              </a:ext>
+            </a:extLst>
+          </p:cNvPr>
+          <p:cNvSpPr/>
+          <p:nvPr/>
+        </p:nvSpPr>
+        <p:spPr>
+          <a:xfrm>
+            <a:off x="2549696" y="829812"/>
+            <a:ext cx="685800" cy="1519607"/>
+          </a:xfrm>
+          <a:prstGeom prst="rect">
+            <a:avLst/>
+          </a:prstGeom>
+        </p:spPr>
+        <p:style>
+          <a:lnRef idx="2">
+            <a:schemeClr val="accent4">
+              <a:shade val="50000"/>
+            </a:schemeClr>
+          </a:lnRef>
+          <a:fillRef idx="1">
+            <a:schemeClr val="accent4"/>
+          </a:fillRef>
+          <a:effectRef idx="0">
+            <a:schemeClr val="accent4"/>
+          </a:effectRef>
+          <a:fontRef idx="minor">
+            <a:schemeClr val="lt1"/>
+          </a:fontRef>
+        </p:style>
+        <p:txBody>
+          <a:bodyPr rtlCol="0" anchor="ctr"/>
+          <a:lstStyle/>
+          <a:p>
+            <a:pPr algn="ctr"/>
+            <a:r>
+              <a:rPr lang="tr-TR" dirty="0"/>
+              <a:t>Test</a:t>
+            </a:r>
+          </a:p>
+        </p:txBody>
+      </p:sp>
+      <p:cxnSp>
+        <p:nvCxnSpPr>
+          <p:cNvPr id="57" name="Düz Ok Bağlayıcısı 56">
+            <a:extLst>
+              <a:ext uri="{FF2B5EF4-FFF2-40B4-BE49-F238E27FC236}">
+                <a16:creationId xmlns:a16="http://schemas.microsoft.com/office/drawing/2014/main" id="{CFF60057-C502-42CF-B50E-A30C4B7EDAFD}"/>
+              </a:ext>
+            </a:extLst>
+          </p:cNvPr>
+          <p:cNvCxnSpPr>
+            <a:cxnSpLocks/>
+            <a:stCxn id="54" idx="3"/>
+            <a:endCxn id="56" idx="1"/>
+          </p:cNvCxnSpPr>
+          <p:nvPr/>
+        </p:nvCxnSpPr>
+        <p:spPr>
+          <a:xfrm flipV="1">
+            <a:off x="1028264" y="1589616"/>
+            <a:ext cx="1521432" cy="1509589"/>
+          </a:xfrm>
+          <a:prstGeom prst="straightConnector1">
+            <a:avLst/>
+          </a:prstGeom>
+          <a:ln w="57150">
+            <a:tailEnd type="triangle"/>
+          </a:ln>
+        </p:spPr>
+        <p:style>
+          <a:lnRef idx="3">
+            <a:schemeClr val="accent2"/>
+          </a:lnRef>
+          <a:fillRef idx="0">
+            <a:schemeClr val="accent2"/>
+          </a:fillRef>
+          <a:effectRef idx="2">
+            <a:schemeClr val="accent2"/>
+          </a:effectRef>
+          <a:fontRef idx="minor">
+            <a:schemeClr val="tx1"/>
+          </a:fontRef>
+        </p:style>
+      </p:cxnSp>
+      <p:cxnSp>
+        <p:nvCxnSpPr>
+          <p:cNvPr id="58" name="Düz Ok Bağlayıcısı 57">
+            <a:extLst>
+              <a:ext uri="{FF2B5EF4-FFF2-40B4-BE49-F238E27FC236}">
+                <a16:creationId xmlns:a16="http://schemas.microsoft.com/office/drawing/2014/main" id="{64B37B86-E928-4DEC-A672-CEAC9E253AD2}"/>
+              </a:ext>
+            </a:extLst>
+          </p:cNvPr>
+          <p:cNvCxnSpPr>
+            <a:cxnSpLocks/>
+            <a:stCxn id="54" idx="3"/>
+            <a:endCxn id="55" idx="1"/>
+          </p:cNvCxnSpPr>
+          <p:nvPr/>
+        </p:nvCxnSpPr>
+        <p:spPr>
+          <a:xfrm>
+            <a:off x="1028264" y="3099205"/>
+            <a:ext cx="1528394" cy="826211"/>
+          </a:xfrm>
+          <a:prstGeom prst="straightConnector1">
+            <a:avLst/>
+          </a:prstGeom>
+          <a:ln w="57150">
+            <a:tailEnd type="triangle"/>
+          </a:ln>
+        </p:spPr>
+        <p:style>
+          <a:lnRef idx="3">
+            <a:schemeClr val="accent2"/>
+          </a:lnRef>
+          <a:fillRef idx="0">
+            <a:schemeClr val="accent2"/>
+          </a:fillRef>
+          <a:effectRef idx="2">
+            <a:schemeClr val="accent2"/>
+          </a:effectRef>
+          <a:fontRef idx="minor">
+            <a:schemeClr val="tx1"/>
+          </a:fontRef>
+        </p:style>
+      </p:cxnSp>
+      <p:cxnSp>
+        <p:nvCxnSpPr>
+          <p:cNvPr id="61" name="Düz Ok Bağlayıcısı 60">
+            <a:extLst>
+              <a:ext uri="{FF2B5EF4-FFF2-40B4-BE49-F238E27FC236}">
+                <a16:creationId xmlns:a16="http://schemas.microsoft.com/office/drawing/2014/main" id="{891A3AF6-7AF3-456B-A463-DFFD19943B08}"/>
+              </a:ext>
+            </a:extLst>
+          </p:cNvPr>
+          <p:cNvCxnSpPr>
+            <a:cxnSpLocks/>
+            <a:stCxn id="55" idx="3"/>
+            <a:endCxn id="17" idx="1"/>
+          </p:cNvCxnSpPr>
+          <p:nvPr/>
+        </p:nvCxnSpPr>
+        <p:spPr>
+          <a:xfrm>
+            <a:off x="3242458" y="3925416"/>
+            <a:ext cx="1514471" cy="0"/>
+          </a:xfrm>
+          <a:prstGeom prst="straightConnector1">
+            <a:avLst/>
+          </a:prstGeom>
+          <a:ln w="57150">
+            <a:tailEnd type="triangle"/>
+          </a:ln>
+        </p:spPr>
+        <p:style>
+          <a:lnRef idx="3">
+            <a:schemeClr val="accent2"/>
+          </a:lnRef>
+          <a:fillRef idx="0">
+            <a:schemeClr val="accent2"/>
+          </a:fillRef>
+          <a:effectRef idx="2">
+            <a:schemeClr val="accent2"/>
+          </a:effectRef>
+          <a:fontRef idx="minor">
+            <a:schemeClr val="tx1"/>
+          </a:fontRef>
+        </p:style>
+      </p:cxnSp>
+      <p:cxnSp>
+        <p:nvCxnSpPr>
+          <p:cNvPr id="62" name="Düz Ok Bağlayıcısı 61">
+            <a:extLst>
+              <a:ext uri="{FF2B5EF4-FFF2-40B4-BE49-F238E27FC236}">
+                <a16:creationId xmlns:a16="http://schemas.microsoft.com/office/drawing/2014/main" id="{F4B5D8A0-0810-4E6A-8177-14788260C3D8}"/>
+              </a:ext>
+            </a:extLst>
+          </p:cNvPr>
+          <p:cNvCxnSpPr>
+            <a:cxnSpLocks/>
+            <a:stCxn id="55" idx="3"/>
+            <a:endCxn id="9" idx="1"/>
+          </p:cNvCxnSpPr>
+          <p:nvPr/>
+        </p:nvCxnSpPr>
+        <p:spPr>
+          <a:xfrm flipV="1">
+            <a:off x="3242458" y="2764530"/>
+            <a:ext cx="1514471" cy="1160886"/>
+          </a:xfrm>
+          <a:prstGeom prst="straightConnector1">
+            <a:avLst/>
+          </a:prstGeom>
+          <a:ln w="57150">
+            <a:tailEnd type="triangle"/>
+          </a:ln>
+        </p:spPr>
+        <p:style>
+          <a:lnRef idx="3">
+            <a:schemeClr val="accent2"/>
+          </a:lnRef>
+          <a:fillRef idx="0">
+            <a:schemeClr val="accent2"/>
+          </a:fillRef>
+          <a:effectRef idx="2">
+            <a:schemeClr val="accent2"/>
+          </a:effectRef>
+          <a:fontRef idx="minor">
+            <a:schemeClr val="tx1"/>
+          </a:fontRef>
+        </p:style>
+      </p:cxnSp>
+      <p:cxnSp>
+        <p:nvCxnSpPr>
+          <p:cNvPr id="63" name="Düz Ok Bağlayıcısı 62">
+            <a:extLst>
+              <a:ext uri="{FF2B5EF4-FFF2-40B4-BE49-F238E27FC236}">
+                <a16:creationId xmlns:a16="http://schemas.microsoft.com/office/drawing/2014/main" id="{A21E9F47-F803-4206-B02E-CD6649BA5F44}"/>
+              </a:ext>
+            </a:extLst>
+          </p:cNvPr>
+          <p:cNvCxnSpPr>
+            <a:cxnSpLocks/>
+            <a:stCxn id="55" idx="3"/>
+            <a:endCxn id="14" idx="1"/>
+          </p:cNvCxnSpPr>
+          <p:nvPr/>
+        </p:nvCxnSpPr>
+        <p:spPr>
+          <a:xfrm flipV="1">
+            <a:off x="3242458" y="3344973"/>
+            <a:ext cx="1514471" cy="580443"/>
+          </a:xfrm>
+          <a:prstGeom prst="straightConnector1">
+            <a:avLst/>
+          </a:prstGeom>
+          <a:ln w="57150">
+            <a:tailEnd type="triangle"/>
+          </a:ln>
+        </p:spPr>
+        <p:style>
+          <a:lnRef idx="3">
+            <a:schemeClr val="accent2"/>
+          </a:lnRef>
+          <a:fillRef idx="0">
+            <a:schemeClr val="accent2"/>
+          </a:fillRef>
+          <a:effectRef idx="2">
+            <a:schemeClr val="accent2"/>
+          </a:effectRef>
+          <a:fontRef idx="minor">
+            <a:schemeClr val="tx1"/>
+          </a:fontRef>
+        </p:style>
+      </p:cxnSp>
+      <p:cxnSp>
+        <p:nvCxnSpPr>
+          <p:cNvPr id="64" name="Düz Ok Bağlayıcısı 63">
+            <a:extLst>
+              <a:ext uri="{FF2B5EF4-FFF2-40B4-BE49-F238E27FC236}">
+                <a16:creationId xmlns:a16="http://schemas.microsoft.com/office/drawing/2014/main" id="{A483D97C-B0DE-4DA2-A308-30F032FA0ED3}"/>
+              </a:ext>
+            </a:extLst>
+          </p:cNvPr>
+          <p:cNvCxnSpPr>
+            <a:cxnSpLocks/>
+            <a:stCxn id="55" idx="3"/>
+            <a:endCxn id="19" idx="1"/>
+          </p:cNvCxnSpPr>
+          <p:nvPr/>
+        </p:nvCxnSpPr>
+        <p:spPr>
+          <a:xfrm>
+            <a:off x="3242458" y="3925416"/>
+            <a:ext cx="1514471" cy="582220"/>
+          </a:xfrm>
+          <a:prstGeom prst="straightConnector1">
+            <a:avLst/>
+          </a:prstGeom>
+          <a:ln w="57150">
+            <a:tailEnd type="triangle"/>
+          </a:ln>
+        </p:spPr>
+        <p:style>
+          <a:lnRef idx="3">
+            <a:schemeClr val="accent2"/>
+          </a:lnRef>
+          <a:fillRef idx="0">
+            <a:schemeClr val="accent2"/>
+          </a:fillRef>
+          <a:effectRef idx="2">
+            <a:schemeClr val="accent2"/>
+          </a:effectRef>
+          <a:fontRef idx="minor">
+            <a:schemeClr val="tx1"/>
+          </a:fontRef>
+        </p:style>
+      </p:cxnSp>
+      <p:cxnSp>
+        <p:nvCxnSpPr>
+          <p:cNvPr id="65" name="Düz Ok Bağlayıcısı 64">
+            <a:extLst>
+              <a:ext uri="{FF2B5EF4-FFF2-40B4-BE49-F238E27FC236}">
+                <a16:creationId xmlns:a16="http://schemas.microsoft.com/office/drawing/2014/main" id="{132965EA-72CD-4A93-970A-542DABA374F3}"/>
+              </a:ext>
+            </a:extLst>
+          </p:cNvPr>
+          <p:cNvCxnSpPr>
+            <a:cxnSpLocks/>
+            <a:stCxn id="55" idx="3"/>
+            <a:endCxn id="18" idx="1"/>
+          </p:cNvCxnSpPr>
+          <p:nvPr/>
+        </p:nvCxnSpPr>
+        <p:spPr>
+          <a:xfrm>
+            <a:off x="3242458" y="3925416"/>
+            <a:ext cx="1514471" cy="1164440"/>
+          </a:xfrm>
+          <a:prstGeom prst="straightConnector1">
+            <a:avLst/>
+          </a:prstGeom>
+          <a:ln w="57150">
+            <a:tailEnd type="triangle"/>
+          </a:ln>
+        </p:spPr>
+        <p:style>
+          <a:lnRef idx="3">
+            <a:schemeClr val="accent2"/>
+          </a:lnRef>
+          <a:fillRef idx="0">
+            <a:schemeClr val="accent2"/>
+          </a:fillRef>
+          <a:effectRef idx="2">
+            <a:schemeClr val="accent2"/>
+          </a:effectRef>
+          <a:fontRef idx="minor">
+            <a:schemeClr val="tx1"/>
+          </a:fontRef>
+        </p:style>
+      </p:cxnSp>
     </p:spTree>
     <p:extLst>
       <p:ext uri="{BB962C8B-B14F-4D97-AF65-F5344CB8AC3E}">
@@ -7631,6 +8108,337 @@
           <a:chExt cx="0" cy="0"/>
         </a:xfrm>
       </p:grpSpPr>
+      <p:sp>
+        <p:nvSpPr>
+          <p:cNvPr id="16" name="Unvan 1"/>
+          <p:cNvSpPr>
+            <a:spLocks noGrp="1"/>
+          </p:cNvSpPr>
+          <p:nvPr>
+            <p:ph type="ctrTitle"/>
+          </p:nvPr>
+        </p:nvSpPr>
+        <p:spPr>
+          <a:xfrm>
+            <a:off x="2829048" y="309911"/>
+            <a:ext cx="5946728" cy="998384"/>
+          </a:xfrm>
+        </p:spPr>
+        <p:txBody>
+          <a:bodyPr>
+            <a:normAutofit fontScale="90000"/>
+          </a:bodyPr>
+          <a:lstStyle/>
+          <a:p>
+            <a:r>
+              <a:rPr lang="tr-TR" sz="3600" b="1" dirty="0">
+                <a:solidFill>
+                  <a:srgbClr val="CD1F26"/>
+                </a:solidFill>
+                <a:latin typeface="Arial" panose="020B0604020202020204" pitchFamily="34" charset="0"/>
+                <a:ea typeface="Verdana" panose="020B0604030504040204" pitchFamily="34" charset="0"/>
+                <a:cs typeface="Arial" panose="020B0604020202020204" pitchFamily="34" charset="0"/>
+              </a:rPr>
+              <a:t>Cross-</a:t>
+            </a:r>
+            <a:r>
+              <a:rPr lang="tr-TR" sz="3600" b="1" dirty="0" err="1">
+                <a:solidFill>
+                  <a:srgbClr val="CD1F26"/>
+                </a:solidFill>
+                <a:latin typeface="Arial" panose="020B0604020202020204" pitchFamily="34" charset="0"/>
+                <a:ea typeface="Verdana" panose="020B0604030504040204" pitchFamily="34" charset="0"/>
+                <a:cs typeface="Arial" panose="020B0604020202020204" pitchFamily="34" charset="0"/>
+              </a:rPr>
+              <a:t>Validation</a:t>
+            </a:r>
+            <a:r>
+              <a:rPr lang="tr-TR" sz="3600" b="1" dirty="0">
+                <a:solidFill>
+                  <a:srgbClr val="CD1F26"/>
+                </a:solidFill>
+                <a:latin typeface="Arial" panose="020B0604020202020204" pitchFamily="34" charset="0"/>
+                <a:ea typeface="Verdana" panose="020B0604030504040204" pitchFamily="34" charset="0"/>
+                <a:cs typeface="Arial" panose="020B0604020202020204" pitchFamily="34" charset="0"/>
+              </a:rPr>
+              <a:t> Eksik ve Yanlış Bilinenler</a:t>
+            </a:r>
+            <a:endParaRPr lang="en-US" sz="3600" b="1" dirty="0">
+              <a:solidFill>
+                <a:srgbClr val="CD1F26"/>
+              </a:solidFill>
+              <a:latin typeface="Arial" panose="020B0604020202020204" pitchFamily="34" charset="0"/>
+              <a:ea typeface="Verdana" panose="020B0604030504040204" pitchFamily="34" charset="0"/>
+              <a:cs typeface="Arial" panose="020B0604020202020204" pitchFamily="34" charset="0"/>
+            </a:endParaRPr>
+          </a:p>
+        </p:txBody>
+      </p:sp>
+      <p:sp>
+        <p:nvSpPr>
+          <p:cNvPr id="28" name="Dikdörtgen 27">
+            <a:extLst>
+              <a:ext uri="{FF2B5EF4-FFF2-40B4-BE49-F238E27FC236}">
+                <a16:creationId xmlns:a16="http://schemas.microsoft.com/office/drawing/2014/main" id="{D18C02D5-2EEE-4DF4-B0A6-70911E345508}"/>
+              </a:ext>
+            </a:extLst>
+          </p:cNvPr>
+          <p:cNvSpPr/>
+          <p:nvPr/>
+        </p:nvSpPr>
+        <p:spPr>
+          <a:xfrm>
+            <a:off x="1168327" y="1308295"/>
+            <a:ext cx="9987354" cy="4536819"/>
+          </a:xfrm>
+          <a:prstGeom prst="rect">
+            <a:avLst/>
+          </a:prstGeom>
+        </p:spPr>
+        <p:txBody>
+          <a:bodyPr wrap="square">
+            <a:spAutoFit/>
+          </a:bodyPr>
+          <a:lstStyle/>
+          <a:p>
+            <a:pPr marL="342900" indent="-342900">
+              <a:lnSpc>
+                <a:spcPct val="150000"/>
+              </a:lnSpc>
+              <a:buFont typeface="Arial" panose="020B0604020202020204" pitchFamily="34" charset="0"/>
+              <a:buChar char="•"/>
+            </a:pPr>
+            <a:r>
+              <a:rPr lang="tr-TR" sz="2800" dirty="0">
+                <a:latin typeface="Roboto"/>
+              </a:rPr>
+              <a:t>En iyi skora sahip parça ile model yapılmaz.</a:t>
+            </a:r>
+          </a:p>
+          <a:p>
+            <a:pPr marL="342900" indent="-342900">
+              <a:lnSpc>
+                <a:spcPct val="150000"/>
+              </a:lnSpc>
+              <a:buFont typeface="Arial" panose="020B0604020202020204" pitchFamily="34" charset="0"/>
+              <a:buChar char="•"/>
+            </a:pPr>
+            <a:r>
+              <a:rPr lang="tr-TR" sz="2800" dirty="0">
+                <a:latin typeface="Roboto"/>
+              </a:rPr>
+              <a:t>Cross-</a:t>
+            </a:r>
+            <a:r>
+              <a:rPr lang="tr-TR" sz="2800" dirty="0" err="1">
+                <a:latin typeface="Roboto"/>
+              </a:rPr>
+              <a:t>Validation</a:t>
+            </a:r>
+            <a:r>
+              <a:rPr lang="tr-TR" sz="2800" dirty="0">
+                <a:latin typeface="Roboto"/>
+              </a:rPr>
+              <a:t> model oluşturmaz, sadece modelin performansını daha sağlıklı değerlendirmemizi sağlar. </a:t>
+            </a:r>
+          </a:p>
+          <a:p>
+            <a:pPr marL="342900" indent="-342900">
+              <a:lnSpc>
+                <a:spcPct val="150000"/>
+              </a:lnSpc>
+              <a:buFont typeface="Arial" panose="020B0604020202020204" pitchFamily="34" charset="0"/>
+              <a:buChar char="•"/>
+            </a:pPr>
+            <a:r>
+              <a:rPr lang="tr-TR" sz="2800" dirty="0" err="1">
+                <a:latin typeface="Roboto"/>
+              </a:rPr>
+              <a:t>train_test_split</a:t>
+            </a:r>
+            <a:r>
+              <a:rPr lang="tr-TR" sz="2800" dirty="0">
+                <a:latin typeface="Roboto"/>
+              </a:rPr>
+              <a:t> ile tek bir set üzerinden model değerlendirmek yanıltıcı olabilir.</a:t>
+            </a:r>
+          </a:p>
+          <a:p>
+            <a:pPr marL="342900" indent="-342900">
+              <a:lnSpc>
+                <a:spcPct val="150000"/>
+              </a:lnSpc>
+              <a:buFont typeface="Arial" panose="020B0604020202020204" pitchFamily="34" charset="0"/>
+              <a:buChar char="•"/>
+            </a:pPr>
+            <a:r>
+              <a:rPr lang="tr-TR" sz="2800" dirty="0">
+                <a:latin typeface="Roboto"/>
+              </a:rPr>
+              <a:t>Karar verildikten sonra tüm veri ile (X) model tekrar eğitilmelidir.</a:t>
+            </a:r>
+          </a:p>
+        </p:txBody>
+      </p:sp>
+      <p:cxnSp>
+        <p:nvCxnSpPr>
+          <p:cNvPr id="5" name="Düz Bağlayıcı 4">
+            <a:extLst>
+              <a:ext uri="{FF2B5EF4-FFF2-40B4-BE49-F238E27FC236}">
+                <a16:creationId xmlns:a16="http://schemas.microsoft.com/office/drawing/2014/main" id="{AD893BA1-5576-4C80-A972-11D1D47E4C46}"/>
+              </a:ext>
+            </a:extLst>
+          </p:cNvPr>
+          <p:cNvCxnSpPr/>
+          <p:nvPr/>
+        </p:nvCxnSpPr>
+        <p:spPr>
+          <a:xfrm>
+            <a:off x="228596" y="6166763"/>
+            <a:ext cx="11768671" cy="0"/>
+          </a:xfrm>
+          <a:prstGeom prst="line">
+            <a:avLst/>
+          </a:prstGeom>
+          <a:ln w="101600" cmpd="thickThin">
+            <a:solidFill>
+              <a:schemeClr val="accent1">
+                <a:lumMod val="75000"/>
+              </a:schemeClr>
+            </a:solidFill>
+          </a:ln>
+        </p:spPr>
+        <p:style>
+          <a:lnRef idx="1">
+            <a:schemeClr val="accent1"/>
+          </a:lnRef>
+          <a:fillRef idx="0">
+            <a:schemeClr val="accent1"/>
+          </a:fillRef>
+          <a:effectRef idx="0">
+            <a:schemeClr val="accent1"/>
+          </a:effectRef>
+          <a:fontRef idx="minor">
+            <a:schemeClr val="tx1"/>
+          </a:fontRef>
+        </p:style>
+      </p:cxnSp>
+    </p:spTree>
+    <p:extLst>
+      <p:ext uri="{BB962C8B-B14F-4D97-AF65-F5344CB8AC3E}">
+        <p14:creationId xmlns:p14="http://schemas.microsoft.com/office/powerpoint/2010/main" val="3840003656"/>
+      </p:ext>
+    </p:extLst>
+  </p:cSld>
+  <p:clrMapOvr>
+    <a:masterClrMapping/>
+  </p:clrMapOvr>
+  <p:timing>
+    <p:tnLst>
+      <p:par>
+        <p:cTn id="1" dur="indefinite" restart="never" nodeType="tmRoot">
+          <p:childTnLst>
+            <p:seq concurrent="1" nextAc="seek">
+              <p:cTn id="2" dur="indefinite" nodeType="mainSeq">
+                <p:childTnLst>
+                  <p:par>
+                    <p:cTn id="3" fill="hold">
+                      <p:stCondLst>
+                        <p:cond delay="indefinite"/>
+                      </p:stCondLst>
+                      <p:childTnLst>
+                        <p:par>
+                          <p:cTn id="4" fill="hold">
+                            <p:stCondLst>
+                              <p:cond delay="0"/>
+                            </p:stCondLst>
+                            <p:childTnLst>
+                              <p:par>
+                                <p:cTn id="5" presetID="10" presetClass="entr" presetSubtype="0" fill="hold" grpId="0" nodeType="clickEffect">
+                                  <p:stCondLst>
+                                    <p:cond delay="0"/>
+                                  </p:stCondLst>
+                                  <p:childTnLst>
+                                    <p:set>
+                                      <p:cBhvr>
+                                        <p:cTn id="6" dur="1" fill="hold">
+                                          <p:stCondLst>
+                                            <p:cond delay="0"/>
+                                          </p:stCondLst>
+                                        </p:cTn>
+                                        <p:tgtEl>
+                                          <p:spTgt spid="28"/>
+                                        </p:tgtEl>
+                                        <p:attrNameLst>
+                                          <p:attrName>style.visibility</p:attrName>
+                                        </p:attrNameLst>
+                                      </p:cBhvr>
+                                      <p:to>
+                                        <p:strVal val="visible"/>
+                                      </p:to>
+                                    </p:set>
+                                    <p:animEffect transition="in" filter="fade">
+                                      <p:cBhvr>
+                                        <p:cTn id="7" dur="500"/>
+                                        <p:tgtEl>
+                                          <p:spTgt spid="28"/>
+                                        </p:tgtEl>
+                                      </p:cBhvr>
+                                    </p:animEffect>
+                                  </p:childTnLst>
+                                </p:cTn>
+                              </p:par>
+                            </p:childTnLst>
+                          </p:cTn>
+                        </p:par>
+                      </p:childTnLst>
+                    </p:cTn>
+                  </p:par>
+                </p:childTnLst>
+              </p:cTn>
+              <p:prevCondLst>
+                <p:cond evt="onPrev" delay="0">
+                  <p:tgtEl>
+                    <p:sldTgt/>
+                  </p:tgtEl>
+                </p:cond>
+              </p:prevCondLst>
+              <p:nextCondLst>
+                <p:cond evt="onNext" delay="0">
+                  <p:tgtEl>
+                    <p:sldTgt/>
+                  </p:tgtEl>
+                </p:cond>
+              </p:nextCondLst>
+            </p:seq>
+          </p:childTnLst>
+        </p:cTn>
+      </p:par>
+    </p:tnLst>
+    <p:bldLst>
+      <p:bldP spid="28" grpId="0"/>
+    </p:bldLst>
+  </p:timing>
+</p:sld>
+</file>
+
+<file path=ppt/slides/slide12.xml><?xml version="1.0" encoding="utf-8"?>
+<p:sld xmlns:a="http://schemas.openxmlformats.org/drawingml/2006/main" xmlns:r="http://schemas.openxmlformats.org/officeDocument/2006/relationships" xmlns:p="http://schemas.openxmlformats.org/presentationml/2006/main">
+  <p:cSld>
+    <p:spTree>
+      <p:nvGrpSpPr>
+        <p:cNvPr id="1" name=""/>
+        <p:cNvGrpSpPr/>
+        <p:nvPr/>
+      </p:nvGrpSpPr>
+      <p:grpSpPr>
+        <a:xfrm>
+          <a:off x="0" y="0"/>
+          <a:ext cx="0" cy="0"/>
+          <a:chOff x="0" y="0"/>
+          <a:chExt cx="0" cy="0"/>
+        </a:xfrm>
+      </p:grpSpPr>
       <p:cxnSp>
         <p:nvCxnSpPr>
           <p:cNvPr id="10" name="Düz Bağlayıcı 9"/>
@@ -7759,7 +8567,7 @@
         </p:nvSpPr>
         <p:spPr>
           <a:xfrm>
-            <a:off x="1990581" y="1941225"/>
+            <a:off x="4311215" y="2377335"/>
             <a:ext cx="685800" cy="507992"/>
           </a:xfrm>
           <a:prstGeom prst="rect">
@@ -7787,6 +8595,10 @@
           <a:lstStyle/>
           <a:p>
             <a:pPr algn="ctr"/>
+            <a:r>
+              <a:rPr lang="tr-TR" dirty="0" err="1"/>
+              <a:t>Valid</a:t>
+            </a:r>
             <a:endParaRPr lang="tr-TR" dirty="0"/>
           </a:p>
         </p:txBody>
@@ -7805,7 +8617,7 @@
         </p:nvSpPr>
         <p:spPr>
           <a:xfrm>
-            <a:off x="4378560" y="5651429"/>
+            <a:off x="4462967" y="5651429"/>
             <a:ext cx="267283" cy="196659"/>
           </a:xfrm>
           <a:prstGeom prst="rect">
@@ -7851,7 +8663,7 @@
         </p:nvSpPr>
         <p:spPr>
           <a:xfrm>
-            <a:off x="5640097" y="5664462"/>
+            <a:off x="6287210" y="5664462"/>
             <a:ext cx="267283" cy="185229"/>
           </a:xfrm>
           <a:prstGeom prst="rect">
@@ -7897,8 +8709,8 @@
         </p:nvSpPr>
         <p:spPr>
           <a:xfrm>
-            <a:off x="4790124" y="5598580"/>
-            <a:ext cx="607923" cy="369332"/>
+            <a:off x="4874531" y="5598580"/>
+            <a:ext cx="1180644" cy="369332"/>
           </a:xfrm>
           <a:prstGeom prst="rect">
             <a:avLst/>
@@ -7911,10 +8723,10 @@
           <a:lstStyle/>
           <a:p>
             <a:r>
-              <a:rPr lang="tr-TR" dirty="0">
-                <a:latin typeface="Roboto"/>
-              </a:rPr>
-              <a:t>Test</a:t>
+              <a:rPr lang="tr-TR" dirty="0" err="1">
+                <a:latin typeface="Roboto"/>
+              </a:rPr>
+              <a:t>Validation</a:t>
             </a:r>
             <a:endParaRPr lang="tr-TR" dirty="0"/>
           </a:p>
@@ -7934,7 +8746,7 @@
         </p:nvSpPr>
         <p:spPr>
           <a:xfrm>
-            <a:off x="6051660" y="5584124"/>
+            <a:off x="6698773" y="5584124"/>
             <a:ext cx="825867" cy="369332"/>
           </a:xfrm>
           <a:prstGeom prst="rect">
@@ -7971,7 +8783,7 @@
         </p:nvSpPr>
         <p:spPr>
           <a:xfrm>
-            <a:off x="1990581" y="2513920"/>
+            <a:off x="4311215" y="2991980"/>
             <a:ext cx="685800" cy="2021545"/>
           </a:xfrm>
           <a:prstGeom prst="rect">
@@ -7999,7 +8811,10 @@
           <a:lstStyle/>
           <a:p>
             <a:pPr algn="ctr"/>
-            <a:endParaRPr lang="tr-TR"/>
+            <a:r>
+              <a:rPr lang="tr-TR" dirty="0"/>
+              <a:t>Train</a:t>
+            </a:r>
           </a:p>
         </p:txBody>
       </p:sp>
@@ -8017,7 +8832,7 @@
         </p:nvSpPr>
         <p:spPr>
           <a:xfrm>
-            <a:off x="4354284" y="1991842"/>
+            <a:off x="5802412" y="2105723"/>
             <a:ext cx="5629688" cy="2492990"/>
           </a:xfrm>
           <a:prstGeom prst="rect">
@@ -8099,6 +8914,318 @@
           </a:p>
         </p:txBody>
       </p:sp>
+      <p:sp>
+        <p:nvSpPr>
+          <p:cNvPr id="11" name="Dikdörtgen 10">
+            <a:extLst>
+              <a:ext uri="{FF2B5EF4-FFF2-40B4-BE49-F238E27FC236}">
+                <a16:creationId xmlns:a16="http://schemas.microsoft.com/office/drawing/2014/main" id="{E2DC6004-1A8C-4FEE-BEDA-E510E085F22B}"/>
+              </a:ext>
+            </a:extLst>
+          </p:cNvPr>
+          <p:cNvSpPr/>
+          <p:nvPr/>
+        </p:nvSpPr>
+        <p:spPr>
+          <a:xfrm>
+            <a:off x="312678" y="998806"/>
+            <a:ext cx="685800" cy="3997847"/>
+          </a:xfrm>
+          <a:prstGeom prst="rect">
+            <a:avLst/>
+          </a:prstGeom>
+        </p:spPr>
+        <p:style>
+          <a:lnRef idx="1">
+            <a:schemeClr val="accent3"/>
+          </a:lnRef>
+          <a:fillRef idx="2">
+            <a:schemeClr val="accent3"/>
+          </a:fillRef>
+          <a:effectRef idx="1">
+            <a:schemeClr val="accent3"/>
+          </a:effectRef>
+          <a:fontRef idx="minor">
+            <a:schemeClr val="dk1"/>
+          </a:fontRef>
+        </p:style>
+        <p:txBody>
+          <a:bodyPr rtlCol="0" anchor="ctr"/>
+          <a:lstStyle/>
+          <a:p>
+            <a:pPr algn="ctr"/>
+            <a:r>
+              <a:rPr lang="tr-TR" dirty="0"/>
+              <a:t>Data</a:t>
+            </a:r>
+          </a:p>
+        </p:txBody>
+      </p:sp>
+      <p:sp>
+        <p:nvSpPr>
+          <p:cNvPr id="12" name="Dikdörtgen 11">
+            <a:extLst>
+              <a:ext uri="{FF2B5EF4-FFF2-40B4-BE49-F238E27FC236}">
+                <a16:creationId xmlns:a16="http://schemas.microsoft.com/office/drawing/2014/main" id="{0AD03603-569D-4056-9776-62A357EAFE28}"/>
+              </a:ext>
+            </a:extLst>
+          </p:cNvPr>
+          <p:cNvSpPr/>
+          <p:nvPr/>
+        </p:nvSpPr>
+        <p:spPr>
+          <a:xfrm>
+            <a:off x="2486148" y="2402414"/>
+            <a:ext cx="685800" cy="2594239"/>
+          </a:xfrm>
+          <a:prstGeom prst="rect">
+            <a:avLst/>
+          </a:prstGeom>
+        </p:spPr>
+        <p:style>
+          <a:lnRef idx="1">
+            <a:schemeClr val="accent3"/>
+          </a:lnRef>
+          <a:fillRef idx="2">
+            <a:schemeClr val="accent3"/>
+          </a:fillRef>
+          <a:effectRef idx="1">
+            <a:schemeClr val="accent3"/>
+          </a:effectRef>
+          <a:fontRef idx="minor">
+            <a:schemeClr val="dk1"/>
+          </a:fontRef>
+        </p:style>
+        <p:txBody>
+          <a:bodyPr rtlCol="0" anchor="ctr"/>
+          <a:lstStyle/>
+          <a:p>
+            <a:pPr algn="ctr"/>
+            <a:r>
+              <a:rPr lang="tr-TR" dirty="0"/>
+              <a:t>Train</a:t>
+            </a:r>
+          </a:p>
+        </p:txBody>
+      </p:sp>
+      <p:sp>
+        <p:nvSpPr>
+          <p:cNvPr id="13" name="Dikdörtgen 12">
+            <a:extLst>
+              <a:ext uri="{FF2B5EF4-FFF2-40B4-BE49-F238E27FC236}">
+                <a16:creationId xmlns:a16="http://schemas.microsoft.com/office/drawing/2014/main" id="{F299BE9D-C4AF-45B1-B865-BA98ACAD118A}"/>
+              </a:ext>
+            </a:extLst>
+          </p:cNvPr>
+          <p:cNvSpPr/>
+          <p:nvPr/>
+        </p:nvSpPr>
+        <p:spPr>
+          <a:xfrm>
+            <a:off x="2486148" y="998806"/>
+            <a:ext cx="685800" cy="1237957"/>
+          </a:xfrm>
+          <a:prstGeom prst="rect">
+            <a:avLst/>
+          </a:prstGeom>
+        </p:spPr>
+        <p:style>
+          <a:lnRef idx="2">
+            <a:schemeClr val="accent4">
+              <a:shade val="50000"/>
+            </a:schemeClr>
+          </a:lnRef>
+          <a:fillRef idx="1">
+            <a:schemeClr val="accent4"/>
+          </a:fillRef>
+          <a:effectRef idx="0">
+            <a:schemeClr val="accent4"/>
+          </a:effectRef>
+          <a:fontRef idx="minor">
+            <a:schemeClr val="lt1"/>
+          </a:fontRef>
+        </p:style>
+        <p:txBody>
+          <a:bodyPr rtlCol="0" anchor="ctr"/>
+          <a:lstStyle/>
+          <a:p>
+            <a:pPr algn="ctr"/>
+            <a:r>
+              <a:rPr lang="tr-TR" dirty="0"/>
+              <a:t>Test</a:t>
+            </a:r>
+          </a:p>
+        </p:txBody>
+      </p:sp>
+      <p:cxnSp>
+        <p:nvCxnSpPr>
+          <p:cNvPr id="3" name="Düz Ok Bağlayıcısı 2">
+            <a:extLst>
+              <a:ext uri="{FF2B5EF4-FFF2-40B4-BE49-F238E27FC236}">
+                <a16:creationId xmlns:a16="http://schemas.microsoft.com/office/drawing/2014/main" id="{CFFF17CF-DF9F-4CC0-8526-A32A1DEA6C1B}"/>
+              </a:ext>
+            </a:extLst>
+          </p:cNvPr>
+          <p:cNvCxnSpPr>
+            <a:endCxn id="13" idx="1"/>
+          </p:cNvCxnSpPr>
+          <p:nvPr/>
+        </p:nvCxnSpPr>
+        <p:spPr>
+          <a:xfrm flipV="1">
+            <a:off x="998478" y="1617785"/>
+            <a:ext cx="1487670" cy="1123826"/>
+          </a:xfrm>
+          <a:prstGeom prst="straightConnector1">
+            <a:avLst/>
+          </a:prstGeom>
+          <a:ln w="57150">
+            <a:tailEnd type="triangle"/>
+          </a:ln>
+        </p:spPr>
+        <p:style>
+          <a:lnRef idx="3">
+            <a:schemeClr val="accent2"/>
+          </a:lnRef>
+          <a:fillRef idx="0">
+            <a:schemeClr val="accent2"/>
+          </a:fillRef>
+          <a:effectRef idx="2">
+            <a:schemeClr val="accent2"/>
+          </a:effectRef>
+          <a:fontRef idx="minor">
+            <a:schemeClr val="tx1"/>
+          </a:fontRef>
+        </p:style>
+      </p:cxnSp>
+      <p:cxnSp>
+        <p:nvCxnSpPr>
+          <p:cNvPr id="17" name="Düz Ok Bağlayıcısı 16">
+            <a:extLst>
+              <a:ext uri="{FF2B5EF4-FFF2-40B4-BE49-F238E27FC236}">
+                <a16:creationId xmlns:a16="http://schemas.microsoft.com/office/drawing/2014/main" id="{2335D72F-AE58-4FE9-8342-75F90DE90B43}"/>
+              </a:ext>
+            </a:extLst>
+          </p:cNvPr>
+          <p:cNvCxnSpPr>
+            <a:cxnSpLocks/>
+            <a:endCxn id="12" idx="1"/>
+          </p:cNvCxnSpPr>
+          <p:nvPr/>
+        </p:nvCxnSpPr>
+        <p:spPr>
+          <a:xfrm>
+            <a:off x="998478" y="2676909"/>
+            <a:ext cx="1487670" cy="1022625"/>
+          </a:xfrm>
+          <a:prstGeom prst="straightConnector1">
+            <a:avLst/>
+          </a:prstGeom>
+          <a:ln w="57150">
+            <a:tailEnd type="triangle"/>
+          </a:ln>
+        </p:spPr>
+        <p:style>
+          <a:lnRef idx="3">
+            <a:schemeClr val="accent2"/>
+          </a:lnRef>
+          <a:fillRef idx="0">
+            <a:schemeClr val="accent2"/>
+          </a:fillRef>
+          <a:effectRef idx="2">
+            <a:schemeClr val="accent2"/>
+          </a:effectRef>
+          <a:fontRef idx="minor">
+            <a:schemeClr val="tx1"/>
+          </a:fontRef>
+        </p:style>
+      </p:cxnSp>
+      <p:cxnSp>
+        <p:nvCxnSpPr>
+          <p:cNvPr id="19" name="Düz Ok Bağlayıcısı 18">
+            <a:extLst>
+              <a:ext uri="{FF2B5EF4-FFF2-40B4-BE49-F238E27FC236}">
+                <a16:creationId xmlns:a16="http://schemas.microsoft.com/office/drawing/2014/main" id="{830684BE-8917-429A-AAA3-9F6C799DC5E6}"/>
+              </a:ext>
+            </a:extLst>
+          </p:cNvPr>
+          <p:cNvCxnSpPr>
+            <a:cxnSpLocks/>
+            <a:stCxn id="12" idx="3"/>
+            <a:endCxn id="29" idx="1"/>
+          </p:cNvCxnSpPr>
+          <p:nvPr/>
+        </p:nvCxnSpPr>
+        <p:spPr>
+          <a:xfrm flipV="1">
+            <a:off x="3171948" y="2631331"/>
+            <a:ext cx="1139267" cy="1068203"/>
+          </a:xfrm>
+          <a:prstGeom prst="straightConnector1">
+            <a:avLst/>
+          </a:prstGeom>
+          <a:ln w="57150">
+            <a:tailEnd type="triangle"/>
+          </a:ln>
+        </p:spPr>
+        <p:style>
+          <a:lnRef idx="3">
+            <a:schemeClr val="accent2"/>
+          </a:lnRef>
+          <a:fillRef idx="0">
+            <a:schemeClr val="accent2"/>
+          </a:fillRef>
+          <a:effectRef idx="2">
+            <a:schemeClr val="accent2"/>
+          </a:effectRef>
+          <a:fontRef idx="minor">
+            <a:schemeClr val="tx1"/>
+          </a:fontRef>
+        </p:style>
+      </p:cxnSp>
+      <p:cxnSp>
+        <p:nvCxnSpPr>
+          <p:cNvPr id="20" name="Düz Ok Bağlayıcısı 19">
+            <a:extLst>
+              <a:ext uri="{FF2B5EF4-FFF2-40B4-BE49-F238E27FC236}">
+                <a16:creationId xmlns:a16="http://schemas.microsoft.com/office/drawing/2014/main" id="{B0BC7F85-D64A-45D0-8898-656A06DD904E}"/>
+              </a:ext>
+            </a:extLst>
+          </p:cNvPr>
+          <p:cNvCxnSpPr>
+            <a:cxnSpLocks/>
+            <a:stCxn id="12" idx="3"/>
+            <a:endCxn id="38" idx="1"/>
+          </p:cNvCxnSpPr>
+          <p:nvPr/>
+        </p:nvCxnSpPr>
+        <p:spPr>
+          <a:xfrm>
+            <a:off x="3171948" y="3699534"/>
+            <a:ext cx="1139267" cy="303219"/>
+          </a:xfrm>
+          <a:prstGeom prst="straightConnector1">
+            <a:avLst/>
+          </a:prstGeom>
+          <a:ln w="57150">
+            <a:tailEnd type="triangle"/>
+          </a:ln>
+        </p:spPr>
+        <p:style>
+          <a:lnRef idx="3">
+            <a:schemeClr val="accent2"/>
+          </a:lnRef>
+          <a:fillRef idx="0">
+            <a:schemeClr val="accent2"/>
+          </a:fillRef>
+          <a:effectRef idx="2">
+            <a:schemeClr val="accent2"/>
+          </a:effectRef>
+          <a:fontRef idx="minor">
+            <a:schemeClr val="tx1"/>
+          </a:fontRef>
+        </p:style>
+      </p:cxnSp>
     </p:spTree>
     <p:extLst>
       <p:ext uri="{BB962C8B-B14F-4D97-AF65-F5344CB8AC3E}">
@@ -8198,7 +9325,7 @@
 </p:sld>
 </file>
 
-<file path=ppt/slides/slide12.xml><?xml version="1.0" encoding="utf-8"?>
+<file path=ppt/slides/slide13.xml><?xml version="1.0" encoding="utf-8"?>
 <p:sld xmlns:a="http://schemas.openxmlformats.org/drawingml/2006/main" xmlns:r="http://schemas.openxmlformats.org/officeDocument/2006/relationships" xmlns:p="http://schemas.openxmlformats.org/presentationml/2006/main">
   <p:cSld>
     <p:spTree>
@@ -8815,7 +9942,7 @@
     </p:spTree>
     <p:extLst>
       <p:ext uri="{BB962C8B-B14F-4D97-AF65-F5344CB8AC3E}">
-        <p14:creationId xmlns:p14="http://schemas.microsoft.com/office/powerpoint/2010/main" val="3840003656"/>
+        <p14:creationId xmlns:p14="http://schemas.microsoft.com/office/powerpoint/2010/main" val="153456511"/>
       </p:ext>
     </p:extLst>
   </p:cSld>
@@ -8911,7 +10038,7 @@
 </p:sld>
 </file>
 
-<file path=ppt/slides/slide13.xml><?xml version="1.0" encoding="utf-8"?>
+<file path=ppt/slides/slide14.xml><?xml version="1.0" encoding="utf-8"?>
 <p:sld xmlns:a="http://schemas.openxmlformats.org/drawingml/2006/main" xmlns:r="http://schemas.openxmlformats.org/officeDocument/2006/relationships" xmlns:p="http://schemas.openxmlformats.org/presentationml/2006/main">
   <p:cSld>
     <p:spTree>
